--- a/CYFI445/lectures/02_linear_regression_gradient_np/compute_gradient.pptx
+++ b/CYFI445/lectures/02_linear_regression_gradient_np/compute_gradient.pptx
@@ -146,13 +146,85 @@
 <file path=ppt/revisionInfo.xml><?xml version="1.0" encoding="utf-8"?>
 <p1510:revInfo xmlns:a="http://schemas.openxmlformats.org/drawingml/2006/main" xmlns:r="http://schemas.openxmlformats.org/officeDocument/2006/relationships" xmlns:p1510="http://schemas.microsoft.com/office/powerpoint/2015/10/main">
   <p1510:revLst>
-    <p1510:client id="{781DD69C-B3C3-4AA3-A094-E5C237C15CAE}" v="36" dt="2025-04-28T14:41:18.382"/>
+    <p1510:client id="{781DD69C-B3C3-4AA3-A094-E5C237C15CAE}" v="44" dt="2025-09-14T19:12:18.045"/>
   </p1510:revLst>
 </p1510:revInfo>
 </file>
 
 <file path=ppt/changesInfos/changesInfo1.xml><?xml version="1.0" encoding="utf-8"?>
 <pc:chgInfo xmlns:a="http://schemas.openxmlformats.org/drawingml/2006/main" xmlns:r="http://schemas.openxmlformats.org/officeDocument/2006/relationships" xmlns:ac="http://schemas.microsoft.com/office/drawing/2013/main/command" xmlns:pc="http://schemas.microsoft.com/office/powerpoint/2013/main/command">
+  <pc:docChgLst>
+    <pc:chgData name="Weifeng Xu" userId="e7aed605-a3dd-4d5a-a692-a87037af107b" providerId="ADAL" clId="{F99F8FFF-BA20-43EA-924B-4DF5D2A785F3}"/>
+    <pc:docChg chg="undo custSel modSld">
+      <pc:chgData name="Weifeng Xu" userId="e7aed605-a3dd-4d5a-a692-a87037af107b" providerId="ADAL" clId="{F99F8FFF-BA20-43EA-924B-4DF5D2A785F3}" dt="2025-09-14T19:12:18.044" v="17" actId="14100"/>
+      <pc:docMkLst>
+        <pc:docMk/>
+      </pc:docMkLst>
+      <pc:sldChg chg="addSp delSp modSp mod">
+        <pc:chgData name="Weifeng Xu" userId="e7aed605-a3dd-4d5a-a692-a87037af107b" providerId="ADAL" clId="{F99F8FFF-BA20-43EA-924B-4DF5D2A785F3}" dt="2025-09-14T19:12:18.044" v="17" actId="14100"/>
+        <pc:sldMkLst>
+          <pc:docMk/>
+          <pc:sldMk cId="1325061211" sldId="256"/>
+        </pc:sldMkLst>
+        <pc:spChg chg="add mod">
+          <ac:chgData name="Weifeng Xu" userId="e7aed605-a3dd-4d5a-a692-a87037af107b" providerId="ADAL" clId="{F99F8FFF-BA20-43EA-924B-4DF5D2A785F3}" dt="2025-09-14T19:10:18.171" v="2" actId="14100"/>
+          <ac:spMkLst>
+            <pc:docMk/>
+            <pc:sldMk cId="1325061211" sldId="256"/>
+            <ac:spMk id="5" creationId="{6424BB1E-CAEB-6839-AEDD-4C3C58D062AF}"/>
+          </ac:spMkLst>
+        </pc:spChg>
+        <pc:picChg chg="add mod">
+          <ac:chgData name="Weifeng Xu" userId="e7aed605-a3dd-4d5a-a692-a87037af107b" providerId="ADAL" clId="{F99F8FFF-BA20-43EA-924B-4DF5D2A785F3}" dt="2025-09-14T19:10:18.171" v="2" actId="14100"/>
+          <ac:picMkLst>
+            <pc:docMk/>
+            <pc:sldMk cId="1325061211" sldId="256"/>
+            <ac:picMk id="4" creationId="{DBEDE550-6D73-2590-A460-CB63D8868985}"/>
+          </ac:picMkLst>
+        </pc:picChg>
+        <pc:picChg chg="add del mod">
+          <ac:chgData name="Weifeng Xu" userId="e7aed605-a3dd-4d5a-a692-a87037af107b" providerId="ADAL" clId="{F99F8FFF-BA20-43EA-924B-4DF5D2A785F3}" dt="2025-09-14T19:12:04.056" v="11" actId="478"/>
+          <ac:picMkLst>
+            <pc:docMk/>
+            <pc:sldMk cId="1325061211" sldId="256"/>
+            <ac:picMk id="13" creationId="{39ECCC6C-4129-0B88-FD41-39695C921596}"/>
+          </ac:picMkLst>
+        </pc:picChg>
+        <pc:picChg chg="add mod">
+          <ac:chgData name="Weifeng Xu" userId="e7aed605-a3dd-4d5a-a692-a87037af107b" providerId="ADAL" clId="{F99F8FFF-BA20-43EA-924B-4DF5D2A785F3}" dt="2025-09-14T19:12:18.044" v="17" actId="14100"/>
+          <ac:picMkLst>
+            <pc:docMk/>
+            <pc:sldMk cId="1325061211" sldId="256"/>
+            <ac:picMk id="1026" creationId="{3B803535-6E6E-0EA5-BEAE-D57063A3F573}"/>
+          </ac:picMkLst>
+        </pc:picChg>
+        <pc:cxnChg chg="add mod">
+          <ac:chgData name="Weifeng Xu" userId="e7aed605-a3dd-4d5a-a692-a87037af107b" providerId="ADAL" clId="{F99F8FFF-BA20-43EA-924B-4DF5D2A785F3}" dt="2025-09-14T19:10:18.171" v="2" actId="14100"/>
+          <ac:cxnSpMkLst>
+            <pc:docMk/>
+            <pc:sldMk cId="1325061211" sldId="256"/>
+            <ac:cxnSpMk id="6" creationId="{26BFC83C-9B57-2C58-0244-2FB0CACC7EE1}"/>
+          </ac:cxnSpMkLst>
+        </pc:cxnChg>
+        <pc:cxnChg chg="add mod">
+          <ac:chgData name="Weifeng Xu" userId="e7aed605-a3dd-4d5a-a692-a87037af107b" providerId="ADAL" clId="{F99F8FFF-BA20-43EA-924B-4DF5D2A785F3}" dt="2025-09-14T19:10:18.171" v="2" actId="14100"/>
+          <ac:cxnSpMkLst>
+            <pc:docMk/>
+            <pc:sldMk cId="1325061211" sldId="256"/>
+            <ac:cxnSpMk id="7" creationId="{313FA147-D61B-9C82-2A14-21DC638642EB}"/>
+          </ac:cxnSpMkLst>
+        </pc:cxnChg>
+        <pc:cxnChg chg="add mod">
+          <ac:chgData name="Weifeng Xu" userId="e7aed605-a3dd-4d5a-a692-a87037af107b" providerId="ADAL" clId="{F99F8FFF-BA20-43EA-924B-4DF5D2A785F3}" dt="2025-09-14T19:10:18.171" v="2" actId="14100"/>
+          <ac:cxnSpMkLst>
+            <pc:docMk/>
+            <pc:sldMk cId="1325061211" sldId="256"/>
+            <ac:cxnSpMk id="8" creationId="{56825DCB-6A85-4D76-1CB5-E15B3F727387}"/>
+          </ac:cxnSpMkLst>
+        </pc:cxnChg>
+      </pc:sldChg>
+    </pc:docChg>
+  </pc:docChgLst>
   <pc:docChgLst>
     <pc:chgData name="Weifeng Xu" userId="e7aed605-a3dd-4d5a-a692-a87037af107b" providerId="ADAL" clId="{781DD69C-B3C3-4AA3-A094-E5C237C15CAE}"/>
     <pc:docChg chg="undo custSel addSld delSld modSld sldOrd">
@@ -166,14 +238,6 @@
           <pc:docMk/>
           <pc:sldMk cId="1325061211" sldId="256"/>
         </pc:sldMkLst>
-        <pc:spChg chg="mod">
-          <ac:chgData name="Weifeng Xu" userId="e7aed605-a3dd-4d5a-a692-a87037af107b" providerId="ADAL" clId="{781DD69C-B3C3-4AA3-A094-E5C237C15CAE}" dt="2025-04-26T15:38:38.647" v="25" actId="20577"/>
-          <ac:spMkLst>
-            <pc:docMk/>
-            <pc:sldMk cId="1325061211" sldId="256"/>
-            <ac:spMk id="2" creationId="{00000000-0000-0000-0000-000000000000}"/>
-          </ac:spMkLst>
-        </pc:spChg>
       </pc:sldChg>
       <pc:sldChg chg="add del ord">
         <pc:chgData name="Weifeng Xu" userId="e7aed605-a3dd-4d5a-a692-a87037af107b" providerId="ADAL" clId="{781DD69C-B3C3-4AA3-A094-E5C237C15CAE}" dt="2025-04-27T15:19:20.020" v="2408"/>
@@ -202,22 +266,6 @@
           <pc:docMk/>
           <pc:sldMk cId="2715224073" sldId="260"/>
         </pc:sldMkLst>
-        <pc:spChg chg="add mod ord">
-          <ac:chgData name="Weifeng Xu" userId="e7aed605-a3dd-4d5a-a692-a87037af107b" providerId="ADAL" clId="{781DD69C-B3C3-4AA3-A094-E5C237C15CAE}" dt="2025-04-27T15:17:50.520" v="2401" actId="20577"/>
-          <ac:spMkLst>
-            <pc:docMk/>
-            <pc:sldMk cId="2715224073" sldId="260"/>
-            <ac:spMk id="2" creationId="{7ED01A2B-035F-B52F-07F5-A3CE5AF7D689}"/>
-          </ac:spMkLst>
-        </pc:spChg>
-        <pc:picChg chg="mod">
-          <ac:chgData name="Weifeng Xu" userId="e7aed605-a3dd-4d5a-a692-a87037af107b" providerId="ADAL" clId="{781DD69C-B3C3-4AA3-A094-E5C237C15CAE}" dt="2025-04-27T14:52:49.880" v="2344" actId="1076"/>
-          <ac:picMkLst>
-            <pc:docMk/>
-            <pc:sldMk cId="2715224073" sldId="260"/>
-            <ac:picMk id="1026" creationId="{FF59A094-1BE2-BED2-744C-86DFF7C8F953}"/>
-          </ac:picMkLst>
-        </pc:picChg>
       </pc:sldChg>
       <pc:sldChg chg="modSp mod">
         <pc:chgData name="Weifeng Xu" userId="e7aed605-a3dd-4d5a-a692-a87037af107b" providerId="ADAL" clId="{781DD69C-B3C3-4AA3-A094-E5C237C15CAE}" dt="2025-04-26T19:27:43.490" v="1514" actId="20577"/>
@@ -225,22 +273,6 @@
           <pc:docMk/>
           <pc:sldMk cId="1030786537" sldId="261"/>
         </pc:sldMkLst>
-        <pc:spChg chg="mod">
-          <ac:chgData name="Weifeng Xu" userId="e7aed605-a3dd-4d5a-a692-a87037af107b" providerId="ADAL" clId="{781DD69C-B3C3-4AA3-A094-E5C237C15CAE}" dt="2025-04-26T19:26:56.018" v="1505" actId="313"/>
-          <ac:spMkLst>
-            <pc:docMk/>
-            <pc:sldMk cId="1030786537" sldId="261"/>
-            <ac:spMk id="13" creationId="{8ADAE649-F020-B6B2-BDF7-7228B8323408}"/>
-          </ac:spMkLst>
-        </pc:spChg>
-        <pc:graphicFrameChg chg="mod modGraphic">
-          <ac:chgData name="Weifeng Xu" userId="e7aed605-a3dd-4d5a-a692-a87037af107b" providerId="ADAL" clId="{781DD69C-B3C3-4AA3-A094-E5C237C15CAE}" dt="2025-04-26T19:27:43.490" v="1514" actId="20577"/>
-          <ac:graphicFrameMkLst>
-            <pc:docMk/>
-            <pc:sldMk cId="1030786537" sldId="261"/>
-            <ac:graphicFrameMk id="2" creationId="{B808FA30-DCC3-2879-42EB-A487CBB0C49A}"/>
-          </ac:graphicFrameMkLst>
-        </pc:graphicFrameChg>
       </pc:sldChg>
       <pc:sldChg chg="del">
         <pc:chgData name="Weifeng Xu" userId="e7aed605-a3dd-4d5a-a692-a87037af107b" providerId="ADAL" clId="{781DD69C-B3C3-4AA3-A094-E5C237C15CAE}" dt="2025-04-26T15:34:36.333" v="0" actId="47"/>
@@ -262,22 +294,6 @@
           <pc:docMk/>
           <pc:sldMk cId="3548515090" sldId="264"/>
         </pc:sldMkLst>
-        <pc:spChg chg="mod">
-          <ac:chgData name="Weifeng Xu" userId="e7aed605-a3dd-4d5a-a692-a87037af107b" providerId="ADAL" clId="{781DD69C-B3C3-4AA3-A094-E5C237C15CAE}" dt="2025-04-26T15:45:36.808" v="103" actId="113"/>
-          <ac:spMkLst>
-            <pc:docMk/>
-            <pc:sldMk cId="3548515090" sldId="264"/>
-            <ac:spMk id="2" creationId="{E1B3C761-FCDE-CB83-9B9B-DF88947633D7}"/>
-          </ac:spMkLst>
-        </pc:spChg>
-        <pc:spChg chg="mod">
-          <ac:chgData name="Weifeng Xu" userId="e7aed605-a3dd-4d5a-a692-a87037af107b" providerId="ADAL" clId="{781DD69C-B3C3-4AA3-A094-E5C237C15CAE}" dt="2025-04-26T15:45:47.969" v="106" actId="20577"/>
-          <ac:spMkLst>
-            <pc:docMk/>
-            <pc:sldMk cId="3548515090" sldId="264"/>
-            <ac:spMk id="3" creationId="{A5D594D4-1B6F-8C8E-245D-ED539B52E659}"/>
-          </ac:spMkLst>
-        </pc:spChg>
       </pc:sldChg>
       <pc:sldChg chg="addSp delSp modSp mod ord">
         <pc:chgData name="Weifeng Xu" userId="e7aed605-a3dd-4d5a-a692-a87037af107b" providerId="ADAL" clId="{781DD69C-B3C3-4AA3-A094-E5C237C15CAE}" dt="2025-04-27T14:56:57.589" v="2364"/>
@@ -285,86 +301,6 @@
           <pc:docMk/>
           <pc:sldMk cId="3523214092" sldId="265"/>
         </pc:sldMkLst>
-        <pc:grpChg chg="mod">
-          <ac:chgData name="Weifeng Xu" userId="e7aed605-a3dd-4d5a-a692-a87037af107b" providerId="ADAL" clId="{781DD69C-B3C3-4AA3-A094-E5C237C15CAE}" dt="2025-04-27T14:56:55.417" v="2362"/>
-          <ac:grpSpMkLst>
-            <pc:docMk/>
-            <pc:sldMk cId="3523214092" sldId="265"/>
-            <ac:grpSpMk id="13" creationId="{6259B775-C832-E5F5-3B00-86C8AB35334D}"/>
-          </ac:grpSpMkLst>
-        </pc:grpChg>
-        <pc:grpChg chg="mod">
-          <ac:chgData name="Weifeng Xu" userId="e7aed605-a3dd-4d5a-a692-a87037af107b" providerId="ADAL" clId="{781DD69C-B3C3-4AA3-A094-E5C237C15CAE}" dt="2025-04-27T14:56:57.589" v="2364"/>
-          <ac:grpSpMkLst>
-            <pc:docMk/>
-            <pc:sldMk cId="3523214092" sldId="265"/>
-            <ac:grpSpMk id="15" creationId="{649C1795-0C3C-9083-80F7-79C4E4FF6AD0}"/>
-          </ac:grpSpMkLst>
-        </pc:grpChg>
-        <pc:inkChg chg="add">
-          <ac:chgData name="Weifeng Xu" userId="e7aed605-a3dd-4d5a-a692-a87037af107b" providerId="ADAL" clId="{781DD69C-B3C3-4AA3-A094-E5C237C15CAE}" dt="2025-04-27T14:56:25.580" v="2354" actId="9405"/>
-          <ac:inkMkLst>
-            <pc:docMk/>
-            <pc:sldMk cId="3523214092" sldId="265"/>
-            <ac:inkMk id="3" creationId="{331F59D3-6F04-F324-2C5E-6FC3152CFA0C}"/>
-          </ac:inkMkLst>
-        </pc:inkChg>
-        <pc:inkChg chg="add">
-          <ac:chgData name="Weifeng Xu" userId="e7aed605-a3dd-4d5a-a692-a87037af107b" providerId="ADAL" clId="{781DD69C-B3C3-4AA3-A094-E5C237C15CAE}" dt="2025-04-27T14:56:51.959" v="2356" actId="9405"/>
-          <ac:inkMkLst>
-            <pc:docMk/>
-            <pc:sldMk cId="3523214092" sldId="265"/>
-            <ac:inkMk id="4" creationId="{34E1DB29-DD15-6F4D-981D-1E46EA7B4888}"/>
-          </ac:inkMkLst>
-        </pc:inkChg>
-        <pc:inkChg chg="add">
-          <ac:chgData name="Weifeng Xu" userId="e7aed605-a3dd-4d5a-a692-a87037af107b" providerId="ADAL" clId="{781DD69C-B3C3-4AA3-A094-E5C237C15CAE}" dt="2025-04-27T14:56:52.802" v="2357" actId="9405"/>
-          <ac:inkMkLst>
-            <pc:docMk/>
-            <pc:sldMk cId="3523214092" sldId="265"/>
-            <ac:inkMk id="6" creationId="{471D5E17-7D8E-D3BB-209D-389576FA1433}"/>
-          </ac:inkMkLst>
-        </pc:inkChg>
-        <pc:inkChg chg="add">
-          <ac:chgData name="Weifeng Xu" userId="e7aed605-a3dd-4d5a-a692-a87037af107b" providerId="ADAL" clId="{781DD69C-B3C3-4AA3-A094-E5C237C15CAE}" dt="2025-04-27T14:56:53.347" v="2358" actId="9405"/>
-          <ac:inkMkLst>
-            <pc:docMk/>
-            <pc:sldMk cId="3523214092" sldId="265"/>
-            <ac:inkMk id="9" creationId="{ACD207E4-5AE1-6578-9490-CDCE8C0B79B1}"/>
-          </ac:inkMkLst>
-        </pc:inkChg>
-        <pc:inkChg chg="add mod">
-          <ac:chgData name="Weifeng Xu" userId="e7aed605-a3dd-4d5a-a692-a87037af107b" providerId="ADAL" clId="{781DD69C-B3C3-4AA3-A094-E5C237C15CAE}" dt="2025-04-27T14:56:55.417" v="2362"/>
-          <ac:inkMkLst>
-            <pc:docMk/>
-            <pc:sldMk cId="3523214092" sldId="265"/>
-            <ac:inkMk id="10" creationId="{BD54B43D-5ED3-A6D1-C298-9F6307F76CD0}"/>
-          </ac:inkMkLst>
-        </pc:inkChg>
-        <pc:inkChg chg="add mod">
-          <ac:chgData name="Weifeng Xu" userId="e7aed605-a3dd-4d5a-a692-a87037af107b" providerId="ADAL" clId="{781DD69C-B3C3-4AA3-A094-E5C237C15CAE}" dt="2025-04-27T14:56:55.417" v="2362"/>
-          <ac:inkMkLst>
-            <pc:docMk/>
-            <pc:sldMk cId="3523214092" sldId="265"/>
-            <ac:inkMk id="11" creationId="{7F165D91-1CB1-25CD-3AF6-B1B16D355F62}"/>
-          </ac:inkMkLst>
-        </pc:inkChg>
-        <pc:inkChg chg="add mod">
-          <ac:chgData name="Weifeng Xu" userId="e7aed605-a3dd-4d5a-a692-a87037af107b" providerId="ADAL" clId="{781DD69C-B3C3-4AA3-A094-E5C237C15CAE}" dt="2025-04-27T14:56:57.589" v="2364"/>
-          <ac:inkMkLst>
-            <pc:docMk/>
-            <pc:sldMk cId="3523214092" sldId="265"/>
-            <ac:inkMk id="12" creationId="{3631F620-7904-38D5-888D-8581C9E8A62C}"/>
-          </ac:inkMkLst>
-        </pc:inkChg>
-        <pc:inkChg chg="add mod">
-          <ac:chgData name="Weifeng Xu" userId="e7aed605-a3dd-4d5a-a692-a87037af107b" providerId="ADAL" clId="{781DD69C-B3C3-4AA3-A094-E5C237C15CAE}" dt="2025-04-27T14:56:57.589" v="2364"/>
-          <ac:inkMkLst>
-            <pc:docMk/>
-            <pc:sldMk cId="3523214092" sldId="265"/>
-            <ac:inkMk id="14" creationId="{782EAD47-5FE1-36E6-336A-47D9D78CE7AD}"/>
-          </ac:inkMkLst>
-        </pc:inkChg>
       </pc:sldChg>
       <pc:sldChg chg="addSp modSp mod">
         <pc:chgData name="Weifeng Xu" userId="e7aed605-a3dd-4d5a-a692-a87037af107b" providerId="ADAL" clId="{781DD69C-B3C3-4AA3-A094-E5C237C15CAE}" dt="2025-04-28T14:42:25.022" v="2686" actId="313"/>
@@ -372,38 +308,6 @@
           <pc:docMk/>
           <pc:sldMk cId="756868712" sldId="266"/>
         </pc:sldMkLst>
-        <pc:spChg chg="mod">
-          <ac:chgData name="Weifeng Xu" userId="e7aed605-a3dd-4d5a-a692-a87037af107b" providerId="ADAL" clId="{781DD69C-B3C3-4AA3-A094-E5C237C15CAE}" dt="2025-04-27T02:06:39.062" v="2179" actId="6549"/>
-          <ac:spMkLst>
-            <pc:docMk/>
-            <pc:sldMk cId="756868712" sldId="266"/>
-            <ac:spMk id="2" creationId="{134B5921-3C66-94CF-BD5F-C00F4E5171B5}"/>
-          </ac:spMkLst>
-        </pc:spChg>
-        <pc:spChg chg="add mod">
-          <ac:chgData name="Weifeng Xu" userId="e7aed605-a3dd-4d5a-a692-a87037af107b" providerId="ADAL" clId="{781DD69C-B3C3-4AA3-A094-E5C237C15CAE}" dt="2025-04-28T14:42:25.022" v="2686" actId="313"/>
-          <ac:spMkLst>
-            <pc:docMk/>
-            <pc:sldMk cId="756868712" sldId="266"/>
-            <ac:spMk id="5" creationId="{1523FFA4-7AD8-1B2B-2D69-555694473B90}"/>
-          </ac:spMkLst>
-        </pc:spChg>
-        <pc:spChg chg="add mod">
-          <ac:chgData name="Weifeng Xu" userId="e7aed605-a3dd-4d5a-a692-a87037af107b" providerId="ADAL" clId="{781DD69C-B3C3-4AA3-A094-E5C237C15CAE}" dt="2025-04-28T14:42:20.092" v="2685" actId="208"/>
-          <ac:spMkLst>
-            <pc:docMk/>
-            <pc:sldMk cId="756868712" sldId="266"/>
-            <ac:spMk id="13" creationId="{12CEF6CE-AF5B-5A84-9269-A9D1980A2BE7}"/>
-          </ac:spMkLst>
-        </pc:spChg>
-        <pc:cxnChg chg="add mod">
-          <ac:chgData name="Weifeng Xu" userId="e7aed605-a3dd-4d5a-a692-a87037af107b" providerId="ADAL" clId="{781DD69C-B3C3-4AA3-A094-E5C237C15CAE}" dt="2025-04-28T14:41:51.720" v="2682" actId="1076"/>
-          <ac:cxnSpMkLst>
-            <pc:docMk/>
-            <pc:sldMk cId="756868712" sldId="266"/>
-            <ac:cxnSpMk id="12" creationId="{27C0A415-111A-4B8F-436C-ECD08CD655F9}"/>
-          </ac:cxnSpMkLst>
-        </pc:cxnChg>
       </pc:sldChg>
       <pc:sldChg chg="modSp mod">
         <pc:chgData name="Weifeng Xu" userId="e7aed605-a3dd-4d5a-a692-a87037af107b" providerId="ADAL" clId="{781DD69C-B3C3-4AA3-A094-E5C237C15CAE}" dt="2025-04-27T02:06:26.896" v="2176" actId="20577"/>
@@ -411,30 +315,6 @@
           <pc:docMk/>
           <pc:sldMk cId="2973990778" sldId="267"/>
         </pc:sldMkLst>
-        <pc:spChg chg="mod">
-          <ac:chgData name="Weifeng Xu" userId="e7aed605-a3dd-4d5a-a692-a87037af107b" providerId="ADAL" clId="{781DD69C-B3C3-4AA3-A094-E5C237C15CAE}" dt="2025-04-27T02:06:26.896" v="2176" actId="20577"/>
-          <ac:spMkLst>
-            <pc:docMk/>
-            <pc:sldMk cId="2973990778" sldId="267"/>
-            <ac:spMk id="2" creationId="{894262E2-16C7-FD17-EE0D-76F6F3A366F5}"/>
-          </ac:spMkLst>
-        </pc:spChg>
-        <pc:spChg chg="mod">
-          <ac:chgData name="Weifeng Xu" userId="e7aed605-a3dd-4d5a-a692-a87037af107b" providerId="ADAL" clId="{781DD69C-B3C3-4AA3-A094-E5C237C15CAE}" dt="2025-04-27T02:05:05.988" v="2134" actId="20577"/>
-          <ac:spMkLst>
-            <pc:docMk/>
-            <pc:sldMk cId="2973990778" sldId="267"/>
-            <ac:spMk id="29" creationId="{CA5CC975-F25B-3D8A-461E-6115E0DAF8AB}"/>
-          </ac:spMkLst>
-        </pc:spChg>
-        <pc:spChg chg="mod">
-          <ac:chgData name="Weifeng Xu" userId="e7aed605-a3dd-4d5a-a692-a87037af107b" providerId="ADAL" clId="{781DD69C-B3C3-4AA3-A094-E5C237C15CAE}" dt="2025-04-27T01:42:41.356" v="2048" actId="403"/>
-          <ac:spMkLst>
-            <pc:docMk/>
-            <pc:sldMk cId="2973990778" sldId="267"/>
-            <ac:spMk id="40" creationId="{C67B3C9D-2DF5-849E-BA7D-87B62016553F}"/>
-          </ac:spMkLst>
-        </pc:spChg>
       </pc:sldChg>
       <pc:sldChg chg="ord">
         <pc:chgData name="Weifeng Xu" userId="e7aed605-a3dd-4d5a-a692-a87037af107b" providerId="ADAL" clId="{781DD69C-B3C3-4AA3-A094-E5C237C15CAE}" dt="2025-04-27T02:14:30.431" v="2184"/>
@@ -449,54 +329,6 @@
           <pc:docMk/>
           <pc:sldMk cId="3256057421" sldId="269"/>
         </pc:sldMkLst>
-        <pc:spChg chg="add mod ord">
-          <ac:chgData name="Weifeng Xu" userId="e7aed605-a3dd-4d5a-a692-a87037af107b" providerId="ADAL" clId="{781DD69C-B3C3-4AA3-A094-E5C237C15CAE}" dt="2025-04-26T19:36:02.874" v="1523" actId="20577"/>
-          <ac:spMkLst>
-            <pc:docMk/>
-            <pc:sldMk cId="3256057421" sldId="269"/>
-            <ac:spMk id="2" creationId="{0FCBBDFF-7CBF-4CC8-EE53-91BFB8D162D4}"/>
-          </ac:spMkLst>
-        </pc:spChg>
-        <pc:spChg chg="mod">
-          <ac:chgData name="Weifeng Xu" userId="e7aed605-a3dd-4d5a-a692-a87037af107b" providerId="ADAL" clId="{781DD69C-B3C3-4AA3-A094-E5C237C15CAE}" dt="2025-04-26T16:09:40.729" v="826" actId="1076"/>
-          <ac:spMkLst>
-            <pc:docMk/>
-            <pc:sldMk cId="3256057421" sldId="269"/>
-            <ac:spMk id="3" creationId="{73A806C7-EC6D-DEA3-23B4-CDDCDAB909AC}"/>
-          </ac:spMkLst>
-        </pc:spChg>
-        <pc:spChg chg="mod">
-          <ac:chgData name="Weifeng Xu" userId="e7aed605-a3dd-4d5a-a692-a87037af107b" providerId="ADAL" clId="{781DD69C-B3C3-4AA3-A094-E5C237C15CAE}" dt="2025-04-26T16:11:29.275" v="885" actId="403"/>
-          <ac:spMkLst>
-            <pc:docMk/>
-            <pc:sldMk cId="3256057421" sldId="269"/>
-            <ac:spMk id="10" creationId="{4E883BC4-D1F1-CAFC-77EC-0A6E549732B8}"/>
-          </ac:spMkLst>
-        </pc:spChg>
-        <pc:picChg chg="mod">
-          <ac:chgData name="Weifeng Xu" userId="e7aed605-a3dd-4d5a-a692-a87037af107b" providerId="ADAL" clId="{781DD69C-B3C3-4AA3-A094-E5C237C15CAE}" dt="2025-04-26T16:09:40.729" v="826" actId="1076"/>
-          <ac:picMkLst>
-            <pc:docMk/>
-            <pc:sldMk cId="3256057421" sldId="269"/>
-            <ac:picMk id="4" creationId="{EE42EC97-9727-D9CA-08B0-47B973CFF596}"/>
-          </ac:picMkLst>
-        </pc:picChg>
-        <pc:cxnChg chg="mod">
-          <ac:chgData name="Weifeng Xu" userId="e7aed605-a3dd-4d5a-a692-a87037af107b" providerId="ADAL" clId="{781DD69C-B3C3-4AA3-A094-E5C237C15CAE}" dt="2025-04-26T16:09:40.729" v="826" actId="1076"/>
-          <ac:cxnSpMkLst>
-            <pc:docMk/>
-            <pc:sldMk cId="3256057421" sldId="269"/>
-            <ac:cxnSpMk id="7" creationId="{210C8D86-5924-E883-1E58-DDFB7FF5F834}"/>
-          </ac:cxnSpMkLst>
-        </pc:cxnChg>
-        <pc:cxnChg chg="mod">
-          <ac:chgData name="Weifeng Xu" userId="e7aed605-a3dd-4d5a-a692-a87037af107b" providerId="ADAL" clId="{781DD69C-B3C3-4AA3-A094-E5C237C15CAE}" dt="2025-04-26T16:09:40.729" v="826" actId="1076"/>
-          <ac:cxnSpMkLst>
-            <pc:docMk/>
-            <pc:sldMk cId="3256057421" sldId="269"/>
-            <ac:cxnSpMk id="9" creationId="{698C3E50-E184-6B48-2A95-88B8129D1A18}"/>
-          </ac:cxnSpMkLst>
-        </pc:cxnChg>
       </pc:sldChg>
       <pc:sldChg chg="addSp delSp modSp mod">
         <pc:chgData name="Weifeng Xu" userId="e7aed605-a3dd-4d5a-a692-a87037af107b" providerId="ADAL" clId="{781DD69C-B3C3-4AA3-A094-E5C237C15CAE}" dt="2025-04-26T19:37:15.220" v="1528" actId="478"/>
@@ -504,14 +336,6 @@
           <pc:docMk/>
           <pc:sldMk cId="146876777" sldId="270"/>
         </pc:sldMkLst>
-        <pc:picChg chg="add del">
-          <ac:chgData name="Weifeng Xu" userId="e7aed605-a3dd-4d5a-a692-a87037af107b" providerId="ADAL" clId="{781DD69C-B3C3-4AA3-A094-E5C237C15CAE}" dt="2025-04-26T19:37:12.864" v="1527" actId="478"/>
-          <ac:picMkLst>
-            <pc:docMk/>
-            <pc:sldMk cId="146876777" sldId="270"/>
-            <ac:picMk id="4" creationId="{DF000801-CE2D-8F62-CEB0-E3D0DD8ECC84}"/>
-          </ac:picMkLst>
-        </pc:picChg>
       </pc:sldChg>
       <pc:sldChg chg="ord">
         <pc:chgData name="Weifeng Xu" userId="e7aed605-a3dd-4d5a-a692-a87037af107b" providerId="ADAL" clId="{781DD69C-B3C3-4AA3-A094-E5C237C15CAE}" dt="2025-04-26T19:47:59.832" v="1530"/>
@@ -526,70 +350,6 @@
           <pc:docMk/>
           <pc:sldMk cId="2238745649" sldId="272"/>
         </pc:sldMkLst>
-        <pc:spChg chg="mod">
-          <ac:chgData name="Weifeng Xu" userId="e7aed605-a3dd-4d5a-a692-a87037af107b" providerId="ADAL" clId="{781DD69C-B3C3-4AA3-A094-E5C237C15CAE}" dt="2025-04-27T14:48:17.663" v="2309" actId="20577"/>
-          <ac:spMkLst>
-            <pc:docMk/>
-            <pc:sldMk cId="2238745649" sldId="272"/>
-            <ac:spMk id="2" creationId="{15AA6F8F-8D5D-9042-7702-E51D6BEBF1DD}"/>
-          </ac:spMkLst>
-        </pc:spChg>
-        <pc:spChg chg="add mod">
-          <ac:chgData name="Weifeng Xu" userId="e7aed605-a3dd-4d5a-a692-a87037af107b" providerId="ADAL" clId="{781DD69C-B3C3-4AA3-A094-E5C237C15CAE}" dt="2025-04-27T14:47:46.253" v="2288" actId="113"/>
-          <ac:spMkLst>
-            <pc:docMk/>
-            <pc:sldMk cId="2238745649" sldId="272"/>
-            <ac:spMk id="10" creationId="{231F3048-8380-0A84-CE34-EA8F96F5AC0B}"/>
-          </ac:spMkLst>
-        </pc:spChg>
-        <pc:spChg chg="add mod">
-          <ac:chgData name="Weifeng Xu" userId="e7aed605-a3dd-4d5a-a692-a87037af107b" providerId="ADAL" clId="{781DD69C-B3C3-4AA3-A094-E5C237C15CAE}" dt="2025-04-27T14:47:43.896" v="2287" actId="113"/>
-          <ac:spMkLst>
-            <pc:docMk/>
-            <pc:sldMk cId="2238745649" sldId="272"/>
-            <ac:spMk id="13" creationId="{B071619C-AD61-E78B-FC6D-A51F23E7D599}"/>
-          </ac:spMkLst>
-        </pc:spChg>
-        <pc:spChg chg="add mod">
-          <ac:chgData name="Weifeng Xu" userId="e7aed605-a3dd-4d5a-a692-a87037af107b" providerId="ADAL" clId="{781DD69C-B3C3-4AA3-A094-E5C237C15CAE}" dt="2025-04-27T14:47:52.061" v="2289" actId="108"/>
-          <ac:spMkLst>
-            <pc:docMk/>
-            <pc:sldMk cId="2238745649" sldId="272"/>
-            <ac:spMk id="14" creationId="{B7ECA217-C719-CD14-D10B-8D3BC5460FFA}"/>
-          </ac:spMkLst>
-        </pc:spChg>
-        <pc:spChg chg="add mod">
-          <ac:chgData name="Weifeng Xu" userId="e7aed605-a3dd-4d5a-a692-a87037af107b" providerId="ADAL" clId="{781DD69C-B3C3-4AA3-A094-E5C237C15CAE}" dt="2025-04-27T14:49:00.518" v="2343" actId="207"/>
-          <ac:spMkLst>
-            <pc:docMk/>
-            <pc:sldMk cId="2238745649" sldId="272"/>
-            <ac:spMk id="15" creationId="{25F3A610-9443-6BA0-0A48-141A55AB76B9}"/>
-          </ac:spMkLst>
-        </pc:spChg>
-        <pc:picChg chg="add mod">
-          <ac:chgData name="Weifeng Xu" userId="e7aed605-a3dd-4d5a-a692-a87037af107b" providerId="ADAL" clId="{781DD69C-B3C3-4AA3-A094-E5C237C15CAE}" dt="2025-04-27T14:45:55.348" v="2243" actId="1076"/>
-          <ac:picMkLst>
-            <pc:docMk/>
-            <pc:sldMk cId="2238745649" sldId="272"/>
-            <ac:picMk id="5" creationId="{67EC129E-B042-EF35-2604-66E9A1F4C18C}"/>
-          </ac:picMkLst>
-        </pc:picChg>
-        <pc:picChg chg="add mod">
-          <ac:chgData name="Weifeng Xu" userId="e7aed605-a3dd-4d5a-a692-a87037af107b" providerId="ADAL" clId="{781DD69C-B3C3-4AA3-A094-E5C237C15CAE}" dt="2025-04-27T14:45:59.118" v="2245" actId="1076"/>
-          <ac:picMkLst>
-            <pc:docMk/>
-            <pc:sldMk cId="2238745649" sldId="272"/>
-            <ac:picMk id="7" creationId="{65D850F0-A302-520A-1C15-20312772E8CA}"/>
-          </ac:picMkLst>
-        </pc:picChg>
-        <pc:picChg chg="add mod">
-          <ac:chgData name="Weifeng Xu" userId="e7aed605-a3dd-4d5a-a692-a87037af107b" providerId="ADAL" clId="{781DD69C-B3C3-4AA3-A094-E5C237C15CAE}" dt="2025-04-27T14:46:00.099" v="2246" actId="1076"/>
-          <ac:picMkLst>
-            <pc:docMk/>
-            <pc:sldMk cId="2238745649" sldId="272"/>
-            <ac:picMk id="9" creationId="{A4B36464-3033-A882-98D9-1CC91F4C257F}"/>
-          </ac:picMkLst>
-        </pc:picChg>
       </pc:sldChg>
       <pc:sldChg chg="modSp new mod">
         <pc:chgData name="Weifeng Xu" userId="e7aed605-a3dd-4d5a-a692-a87037af107b" providerId="ADAL" clId="{781DD69C-B3C3-4AA3-A094-E5C237C15CAE}" dt="2025-04-26T19:34:54.178" v="1518" actId="313"/>
@@ -597,22 +357,6 @@
           <pc:docMk/>
           <pc:sldMk cId="1577423046" sldId="273"/>
         </pc:sldMkLst>
-        <pc:spChg chg="mod">
-          <ac:chgData name="Weifeng Xu" userId="e7aed605-a3dd-4d5a-a692-a87037af107b" providerId="ADAL" clId="{781DD69C-B3C3-4AA3-A094-E5C237C15CAE}" dt="2025-04-26T15:47:10.336" v="168" actId="20577"/>
-          <ac:spMkLst>
-            <pc:docMk/>
-            <pc:sldMk cId="1577423046" sldId="273"/>
-            <ac:spMk id="2" creationId="{5C0913A9-CCBC-A77C-6794-1D4941158165}"/>
-          </ac:spMkLst>
-        </pc:spChg>
-        <pc:spChg chg="mod">
-          <ac:chgData name="Weifeng Xu" userId="e7aed605-a3dd-4d5a-a692-a87037af107b" providerId="ADAL" clId="{781DD69C-B3C3-4AA3-A094-E5C237C15CAE}" dt="2025-04-26T19:34:54.178" v="1518" actId="313"/>
-          <ac:spMkLst>
-            <pc:docMk/>
-            <pc:sldMk cId="1577423046" sldId="273"/>
-            <ac:spMk id="3" creationId="{8DD11DDB-8727-0671-797F-5D3BF3792007}"/>
-          </ac:spMkLst>
-        </pc:spChg>
       </pc:sldChg>
       <pc:sldChg chg="addSp modSp new mod">
         <pc:chgData name="Weifeng Xu" userId="e7aed605-a3dd-4d5a-a692-a87037af107b" providerId="ADAL" clId="{781DD69C-B3C3-4AA3-A094-E5C237C15CAE}" dt="2025-04-26T15:53:52.936" v="500" actId="313"/>
@@ -620,22 +364,6 @@
           <pc:docMk/>
           <pc:sldMk cId="900515030" sldId="274"/>
         </pc:sldMkLst>
-        <pc:spChg chg="mod">
-          <ac:chgData name="Weifeng Xu" userId="e7aed605-a3dd-4d5a-a692-a87037af107b" providerId="ADAL" clId="{781DD69C-B3C3-4AA3-A094-E5C237C15CAE}" dt="2025-04-26T15:53:52.936" v="500" actId="313"/>
-          <ac:spMkLst>
-            <pc:docMk/>
-            <pc:sldMk cId="900515030" sldId="274"/>
-            <ac:spMk id="2" creationId="{04416A12-EA75-1F0C-21AB-DF7D8DA19C11}"/>
-          </ac:spMkLst>
-        </pc:spChg>
-        <pc:picChg chg="add mod">
-          <ac:chgData name="Weifeng Xu" userId="e7aed605-a3dd-4d5a-a692-a87037af107b" providerId="ADAL" clId="{781DD69C-B3C3-4AA3-A094-E5C237C15CAE}" dt="2025-04-26T15:53:44.482" v="498" actId="14100"/>
-          <ac:picMkLst>
-            <pc:docMk/>
-            <pc:sldMk cId="900515030" sldId="274"/>
-            <ac:picMk id="4" creationId="{09424BCB-F123-62A8-0DEE-2710779B513A}"/>
-          </ac:picMkLst>
-        </pc:picChg>
       </pc:sldChg>
       <pc:sldChg chg="addSp delSp modSp new mod modClrScheme chgLayout">
         <pc:chgData name="Weifeng Xu" userId="e7aed605-a3dd-4d5a-a692-a87037af107b" providerId="ADAL" clId="{781DD69C-B3C3-4AA3-A094-E5C237C15CAE}" dt="2025-04-26T16:08:31.856" v="825" actId="12"/>
@@ -643,22 +371,6 @@
           <pc:docMk/>
           <pc:sldMk cId="3924139746" sldId="275"/>
         </pc:sldMkLst>
-        <pc:spChg chg="add mod ord">
-          <ac:chgData name="Weifeng Xu" userId="e7aed605-a3dd-4d5a-a692-a87037af107b" providerId="ADAL" clId="{781DD69C-B3C3-4AA3-A094-E5C237C15CAE}" dt="2025-04-26T16:08:31.856" v="825" actId="12"/>
-          <ac:spMkLst>
-            <pc:docMk/>
-            <pc:sldMk cId="3924139746" sldId="275"/>
-            <ac:spMk id="5" creationId="{6BCBFA86-265B-270E-6EE7-5C1B9476594B}"/>
-          </ac:spMkLst>
-        </pc:spChg>
-        <pc:picChg chg="add mod">
-          <ac:chgData name="Weifeng Xu" userId="e7aed605-a3dd-4d5a-a692-a87037af107b" providerId="ADAL" clId="{781DD69C-B3C3-4AA3-A094-E5C237C15CAE}" dt="2025-04-26T16:06:34.185" v="792" actId="14100"/>
-          <ac:picMkLst>
-            <pc:docMk/>
-            <pc:sldMk cId="3924139746" sldId="275"/>
-            <ac:picMk id="3" creationId="{36BD6059-6E08-A027-9FA7-203055462F58}"/>
-          </ac:picMkLst>
-        </pc:picChg>
       </pc:sldChg>
       <pc:sldChg chg="addSp delSp modSp add mod">
         <pc:chgData name="Weifeng Xu" userId="e7aed605-a3dd-4d5a-a692-a87037af107b" providerId="ADAL" clId="{781DD69C-B3C3-4AA3-A094-E5C237C15CAE}" dt="2025-04-26T19:37:07.853" v="1525" actId="478"/>
@@ -666,22 +378,6 @@
           <pc:docMk/>
           <pc:sldMk cId="4204950105" sldId="276"/>
         </pc:sldMkLst>
-        <pc:spChg chg="mod">
-          <ac:chgData name="Weifeng Xu" userId="e7aed605-a3dd-4d5a-a692-a87037af107b" providerId="ADAL" clId="{781DD69C-B3C3-4AA3-A094-E5C237C15CAE}" dt="2025-04-26T16:12:10.622" v="898" actId="20577"/>
-          <ac:spMkLst>
-            <pc:docMk/>
-            <pc:sldMk cId="4204950105" sldId="276"/>
-            <ac:spMk id="2" creationId="{E0126C29-81D1-8F54-F61C-119892974381}"/>
-          </ac:spMkLst>
-        </pc:spChg>
-        <pc:spChg chg="add del">
-          <ac:chgData name="Weifeng Xu" userId="e7aed605-a3dd-4d5a-a692-a87037af107b" providerId="ADAL" clId="{781DD69C-B3C3-4AA3-A094-E5C237C15CAE}" dt="2025-04-26T19:37:07.853" v="1525" actId="478"/>
-          <ac:spMkLst>
-            <pc:docMk/>
-            <pc:sldMk cId="4204950105" sldId="276"/>
-            <ac:spMk id="10" creationId="{6B811489-7304-6EE1-EE4C-C0997796D89F}"/>
-          </ac:spMkLst>
-        </pc:spChg>
       </pc:sldChg>
       <pc:sldChg chg="addSp delSp modSp new mod modClrScheme chgLayout">
         <pc:chgData name="Weifeng Xu" userId="e7aed605-a3dd-4d5a-a692-a87037af107b" providerId="ADAL" clId="{781DD69C-B3C3-4AA3-A094-E5C237C15CAE}" dt="2025-05-20T02:27:13.615" v="2687" actId="1076"/>
@@ -689,30 +385,6 @@
           <pc:docMk/>
           <pc:sldMk cId="4115225872" sldId="277"/>
         </pc:sldMkLst>
-        <pc:spChg chg="add mod ord">
-          <ac:chgData name="Weifeng Xu" userId="e7aed605-a3dd-4d5a-a692-a87037af107b" providerId="ADAL" clId="{781DD69C-B3C3-4AA3-A094-E5C237C15CAE}" dt="2025-04-28T14:37:39.523" v="2559" actId="20577"/>
-          <ac:spMkLst>
-            <pc:docMk/>
-            <pc:sldMk cId="4115225872" sldId="277"/>
-            <ac:spMk id="2" creationId="{BF1AE0E5-FF81-A43D-9FCF-904165D5F4BC}"/>
-          </ac:spMkLst>
-        </pc:spChg>
-        <pc:spChg chg="add mod ord">
-          <ac:chgData name="Weifeng Xu" userId="e7aed605-a3dd-4d5a-a692-a87037af107b" providerId="ADAL" clId="{781DD69C-B3C3-4AA3-A094-E5C237C15CAE}" dt="2025-04-28T14:39:04.184" v="2648" actId="20577"/>
-          <ac:spMkLst>
-            <pc:docMk/>
-            <pc:sldMk cId="4115225872" sldId="277"/>
-            <ac:spMk id="3" creationId="{5D33E8DC-2529-6109-28FE-B79C2E426AEA}"/>
-          </ac:spMkLst>
-        </pc:spChg>
-        <pc:picChg chg="add mod">
-          <ac:chgData name="Weifeng Xu" userId="e7aed605-a3dd-4d5a-a692-a87037af107b" providerId="ADAL" clId="{781DD69C-B3C3-4AA3-A094-E5C237C15CAE}" dt="2025-05-20T02:27:13.615" v="2687" actId="1076"/>
-          <ac:picMkLst>
-            <pc:docMk/>
-            <pc:sldMk cId="4115225872" sldId="277"/>
-            <ac:picMk id="9" creationId="{15BE858B-F32F-99F1-4FE4-878386224B64}"/>
-          </ac:picMkLst>
-        </pc:picChg>
       </pc:sldChg>
       <pc:sldChg chg="addSp delSp modSp add mod ord modClrScheme chgLayout">
         <pc:chgData name="Weifeng Xu" userId="e7aed605-a3dd-4d5a-a692-a87037af107b" providerId="ADAL" clId="{781DD69C-B3C3-4AA3-A094-E5C237C15CAE}" dt="2025-04-26T17:00:39.249" v="1411" actId="113"/>
@@ -720,150 +392,6 @@
           <pc:docMk/>
           <pc:sldMk cId="2891555817" sldId="278"/>
         </pc:sldMkLst>
-        <pc:spChg chg="mod">
-          <ac:chgData name="Weifeng Xu" userId="e7aed605-a3dd-4d5a-a692-a87037af107b" providerId="ADAL" clId="{781DD69C-B3C3-4AA3-A094-E5C237C15CAE}" dt="2025-04-26T16:58:19.202" v="1304" actId="1076"/>
-          <ac:spMkLst>
-            <pc:docMk/>
-            <pc:sldMk cId="2891555817" sldId="278"/>
-            <ac:spMk id="3" creationId="{39331766-F2CF-3741-1C8E-31AFD1FC83BB}"/>
-          </ac:spMkLst>
-        </pc:spChg>
-        <pc:spChg chg="add mod">
-          <ac:chgData name="Weifeng Xu" userId="e7aed605-a3dd-4d5a-a692-a87037af107b" providerId="ADAL" clId="{781DD69C-B3C3-4AA3-A094-E5C237C15CAE}" dt="2025-04-26T16:58:19.202" v="1304" actId="1076"/>
-          <ac:spMkLst>
-            <pc:docMk/>
-            <pc:sldMk cId="2891555817" sldId="278"/>
-            <ac:spMk id="8" creationId="{9314FE3F-C8B4-CEC5-CC04-0B0BE8A963D1}"/>
-          </ac:spMkLst>
-        </pc:spChg>
-        <pc:spChg chg="add mod">
-          <ac:chgData name="Weifeng Xu" userId="e7aed605-a3dd-4d5a-a692-a87037af107b" providerId="ADAL" clId="{781DD69C-B3C3-4AA3-A094-E5C237C15CAE}" dt="2025-04-26T16:58:19.202" v="1304" actId="1076"/>
-          <ac:spMkLst>
-            <pc:docMk/>
-            <pc:sldMk cId="2891555817" sldId="278"/>
-            <ac:spMk id="17" creationId="{33ED7869-AA6C-601F-78FF-61BC3EE58A5E}"/>
-          </ac:spMkLst>
-        </pc:spChg>
-        <pc:spChg chg="add mod">
-          <ac:chgData name="Weifeng Xu" userId="e7aed605-a3dd-4d5a-a692-a87037af107b" providerId="ADAL" clId="{781DD69C-B3C3-4AA3-A094-E5C237C15CAE}" dt="2025-04-26T16:58:19.202" v="1304" actId="1076"/>
-          <ac:spMkLst>
-            <pc:docMk/>
-            <pc:sldMk cId="2891555817" sldId="278"/>
-            <ac:spMk id="21" creationId="{28194C72-D9F2-D29A-70D8-386E7C808092}"/>
-          </ac:spMkLst>
-        </pc:spChg>
-        <pc:spChg chg="add mod ord">
-          <ac:chgData name="Weifeng Xu" userId="e7aed605-a3dd-4d5a-a692-a87037af107b" providerId="ADAL" clId="{781DD69C-B3C3-4AA3-A094-E5C237C15CAE}" dt="2025-04-26T16:59:14.904" v="1373" actId="313"/>
-          <ac:spMkLst>
-            <pc:docMk/>
-            <pc:sldMk cId="2891555817" sldId="278"/>
-            <ac:spMk id="27" creationId="{0C5E71CF-61F9-4491-7217-46F6E76FFAD4}"/>
-          </ac:spMkLst>
-        </pc:spChg>
-        <pc:spChg chg="add mod">
-          <ac:chgData name="Weifeng Xu" userId="e7aed605-a3dd-4d5a-a692-a87037af107b" providerId="ADAL" clId="{781DD69C-B3C3-4AA3-A094-E5C237C15CAE}" dt="2025-04-26T17:00:39.249" v="1411" actId="113"/>
-          <ac:spMkLst>
-            <pc:docMk/>
-            <pc:sldMk cId="2891555817" sldId="278"/>
-            <ac:spMk id="28" creationId="{397B0847-39DC-44C6-4D39-4095FC30FCEA}"/>
-          </ac:spMkLst>
-        </pc:spChg>
-        <pc:picChg chg="mod">
-          <ac:chgData name="Weifeng Xu" userId="e7aed605-a3dd-4d5a-a692-a87037af107b" providerId="ADAL" clId="{781DD69C-B3C3-4AA3-A094-E5C237C15CAE}" dt="2025-04-26T16:58:19.202" v="1304" actId="1076"/>
-          <ac:picMkLst>
-            <pc:docMk/>
-            <pc:sldMk cId="2891555817" sldId="278"/>
-            <ac:picMk id="4" creationId="{56AACC3F-0B0C-FA82-A944-509455033369}"/>
-          </ac:picMkLst>
-        </pc:picChg>
-        <pc:picChg chg="add mod">
-          <ac:chgData name="Weifeng Xu" userId="e7aed605-a3dd-4d5a-a692-a87037af107b" providerId="ADAL" clId="{781DD69C-B3C3-4AA3-A094-E5C237C15CAE}" dt="2025-04-26T16:58:19.202" v="1304" actId="1076"/>
-          <ac:picMkLst>
-            <pc:docMk/>
-            <pc:sldMk cId="2891555817" sldId="278"/>
-            <ac:picMk id="19" creationId="{6DA84962-E99D-9F97-9CA7-B74286A58BA2}"/>
-          </ac:picMkLst>
-        </pc:picChg>
-        <pc:picChg chg="add mod">
-          <ac:chgData name="Weifeng Xu" userId="e7aed605-a3dd-4d5a-a692-a87037af107b" providerId="ADAL" clId="{781DD69C-B3C3-4AA3-A094-E5C237C15CAE}" dt="2025-04-26T17:00:06.152" v="1383" actId="1076"/>
-          <ac:picMkLst>
-            <pc:docMk/>
-            <pc:sldMk cId="2891555817" sldId="278"/>
-            <ac:picMk id="1028" creationId="{D6667DCA-1642-E507-F562-7DB5843331FE}"/>
-          </ac:picMkLst>
-        </pc:picChg>
-        <pc:inkChg chg="add mod">
-          <ac:chgData name="Weifeng Xu" userId="e7aed605-a3dd-4d5a-a692-a87037af107b" providerId="ADAL" clId="{781DD69C-B3C3-4AA3-A094-E5C237C15CAE}" dt="2025-04-26T16:58:19.202" v="1304" actId="1076"/>
-          <ac:inkMkLst>
-            <pc:docMk/>
-            <pc:sldMk cId="2891555817" sldId="278"/>
-            <ac:inkMk id="24" creationId="{7EFD09F9-3077-E49E-280D-62C013056EF3}"/>
-          </ac:inkMkLst>
-        </pc:inkChg>
-        <pc:inkChg chg="add mod">
-          <ac:chgData name="Weifeng Xu" userId="e7aed605-a3dd-4d5a-a692-a87037af107b" providerId="ADAL" clId="{781DD69C-B3C3-4AA3-A094-E5C237C15CAE}" dt="2025-04-26T16:58:19.202" v="1304" actId="1076"/>
-          <ac:inkMkLst>
-            <pc:docMk/>
-            <pc:sldMk cId="2891555817" sldId="278"/>
-            <ac:inkMk id="25" creationId="{6423427F-91A8-2DD0-0F8C-2FBCD2353EE0}"/>
-          </ac:inkMkLst>
-        </pc:inkChg>
-        <pc:inkChg chg="add mod">
-          <ac:chgData name="Weifeng Xu" userId="e7aed605-a3dd-4d5a-a692-a87037af107b" providerId="ADAL" clId="{781DD69C-B3C3-4AA3-A094-E5C237C15CAE}" dt="2025-04-26T16:58:19.202" v="1304" actId="1076"/>
-          <ac:inkMkLst>
-            <pc:docMk/>
-            <pc:sldMk cId="2891555817" sldId="278"/>
-            <ac:inkMk id="26" creationId="{9E1FB675-BC01-D437-3292-F0C9636458E2}"/>
-          </ac:inkMkLst>
-        </pc:inkChg>
-        <pc:cxnChg chg="mod">
-          <ac:chgData name="Weifeng Xu" userId="e7aed605-a3dd-4d5a-a692-a87037af107b" providerId="ADAL" clId="{781DD69C-B3C3-4AA3-A094-E5C237C15CAE}" dt="2025-04-26T16:42:31.906" v="1249" actId="1076"/>
-          <ac:cxnSpMkLst>
-            <pc:docMk/>
-            <pc:sldMk cId="2891555817" sldId="278"/>
-            <ac:cxnSpMk id="6" creationId="{9AA5A716-45D8-0820-B9A2-D917CA94483F}"/>
-          </ac:cxnSpMkLst>
-        </pc:cxnChg>
-        <pc:cxnChg chg="mod">
-          <ac:chgData name="Weifeng Xu" userId="e7aed605-a3dd-4d5a-a692-a87037af107b" providerId="ADAL" clId="{781DD69C-B3C3-4AA3-A094-E5C237C15CAE}" dt="2025-04-26T16:44:31.787" v="1259" actId="1076"/>
-          <ac:cxnSpMkLst>
-            <pc:docMk/>
-            <pc:sldMk cId="2891555817" sldId="278"/>
-            <ac:cxnSpMk id="7" creationId="{33491F82-E167-3C32-F1EC-AE6B26C8A7B5}"/>
-          </ac:cxnSpMkLst>
-        </pc:cxnChg>
-        <pc:cxnChg chg="add mod">
-          <ac:chgData name="Weifeng Xu" userId="e7aed605-a3dd-4d5a-a692-a87037af107b" providerId="ADAL" clId="{781DD69C-B3C3-4AA3-A094-E5C237C15CAE}" dt="2025-04-26T16:42:47.247" v="1251" actId="13822"/>
-          <ac:cxnSpMkLst>
-            <pc:docMk/>
-            <pc:sldMk cId="2891555817" sldId="278"/>
-            <ac:cxnSpMk id="11" creationId="{48EA061F-81B8-D667-322E-03F7875C4DE5}"/>
-          </ac:cxnSpMkLst>
-        </pc:cxnChg>
-        <pc:cxnChg chg="add mod">
-          <ac:chgData name="Weifeng Xu" userId="e7aed605-a3dd-4d5a-a692-a87037af107b" providerId="ADAL" clId="{781DD69C-B3C3-4AA3-A094-E5C237C15CAE}" dt="2025-04-26T16:43:04.292" v="1254" actId="14100"/>
-          <ac:cxnSpMkLst>
-            <pc:docMk/>
-            <pc:sldMk cId="2891555817" sldId="278"/>
-            <ac:cxnSpMk id="13" creationId="{30E9575A-AF17-0302-A27E-4EFBAAEA2AB7}"/>
-          </ac:cxnSpMkLst>
-        </pc:cxnChg>
-        <pc:cxnChg chg="add mod">
-          <ac:chgData name="Weifeng Xu" userId="e7aed605-a3dd-4d5a-a692-a87037af107b" providerId="ADAL" clId="{781DD69C-B3C3-4AA3-A094-E5C237C15CAE}" dt="2025-04-26T16:44:37.599" v="1261" actId="1076"/>
-          <ac:cxnSpMkLst>
-            <pc:docMk/>
-            <pc:sldMk cId="2891555817" sldId="278"/>
-            <ac:cxnSpMk id="18" creationId="{89C9363C-72D2-7EB8-4885-02F7FE38FE44}"/>
-          </ac:cxnSpMkLst>
-        </pc:cxnChg>
-        <pc:cxnChg chg="add mod">
-          <ac:chgData name="Weifeng Xu" userId="e7aed605-a3dd-4d5a-a692-a87037af107b" providerId="ADAL" clId="{781DD69C-B3C3-4AA3-A094-E5C237C15CAE}" dt="2025-04-26T16:58:19.202" v="1304" actId="1076"/>
-          <ac:cxnSpMkLst>
-            <pc:docMk/>
-            <pc:sldMk cId="2891555817" sldId="278"/>
-            <ac:cxnSpMk id="23" creationId="{B6895FC8-4551-1124-D64E-84C2C3B1FD95}"/>
-          </ac:cxnSpMkLst>
-        </pc:cxnChg>
       </pc:sldChg>
       <pc:sldChg chg="addSp delSp modSp new mod ord modClrScheme chgLayout">
         <pc:chgData name="Weifeng Xu" userId="e7aed605-a3dd-4d5a-a692-a87037af107b" providerId="ADAL" clId="{781DD69C-B3C3-4AA3-A094-E5C237C15CAE}" dt="2025-04-26T20:09:35.620" v="1832" actId="207"/>
@@ -871,30 +399,6 @@
           <pc:docMk/>
           <pc:sldMk cId="1916191906" sldId="279"/>
         </pc:sldMkLst>
-        <pc:spChg chg="add mod">
-          <ac:chgData name="Weifeng Xu" userId="e7aed605-a3dd-4d5a-a692-a87037af107b" providerId="ADAL" clId="{781DD69C-B3C3-4AA3-A094-E5C237C15CAE}" dt="2025-04-26T17:07:37.625" v="1454" actId="20577"/>
-          <ac:spMkLst>
-            <pc:docMk/>
-            <pc:sldMk cId="1916191906" sldId="279"/>
-            <ac:spMk id="2" creationId="{85954EE5-BD49-B6C3-C899-1EC9C0D0AA1F}"/>
-          </ac:spMkLst>
-        </pc:spChg>
-        <pc:spChg chg="add mod">
-          <ac:chgData name="Weifeng Xu" userId="e7aed605-a3dd-4d5a-a692-a87037af107b" providerId="ADAL" clId="{781DD69C-B3C3-4AA3-A094-E5C237C15CAE}" dt="2025-04-26T20:09:35.620" v="1832" actId="207"/>
-          <ac:spMkLst>
-            <pc:docMk/>
-            <pc:sldMk cId="1916191906" sldId="279"/>
-            <ac:spMk id="8" creationId="{8F3C7B16-EBB9-3020-9BDD-B2CCCB0C3834}"/>
-          </ac:spMkLst>
-        </pc:spChg>
-        <pc:picChg chg="add mod">
-          <ac:chgData name="Weifeng Xu" userId="e7aed605-a3dd-4d5a-a692-a87037af107b" providerId="ADAL" clId="{781DD69C-B3C3-4AA3-A094-E5C237C15CAE}" dt="2025-04-26T19:17:23.653" v="1461" actId="14100"/>
-          <ac:picMkLst>
-            <pc:docMk/>
-            <pc:sldMk cId="1916191906" sldId="279"/>
-            <ac:picMk id="6" creationId="{C51F9DBB-BB36-72D2-BB97-601919624569}"/>
-          </ac:picMkLst>
-        </pc:picChg>
       </pc:sldChg>
       <pc:sldChg chg="addSp delSp modSp new mod modClrScheme chgLayout">
         <pc:chgData name="Weifeng Xu" userId="e7aed605-a3dd-4d5a-a692-a87037af107b" providerId="ADAL" clId="{781DD69C-B3C3-4AA3-A094-E5C237C15CAE}" dt="2025-04-26T19:55:43.105" v="1605" actId="20577"/>
@@ -902,22 +406,6 @@
           <pc:docMk/>
           <pc:sldMk cId="3781439804" sldId="280"/>
         </pc:sldMkLst>
-        <pc:spChg chg="add mod ord">
-          <ac:chgData name="Weifeng Xu" userId="e7aed605-a3dd-4d5a-a692-a87037af107b" providerId="ADAL" clId="{781DD69C-B3C3-4AA3-A094-E5C237C15CAE}" dt="2025-04-26T19:55:43.105" v="1605" actId="20577"/>
-          <ac:spMkLst>
-            <pc:docMk/>
-            <pc:sldMk cId="3781439804" sldId="280"/>
-            <ac:spMk id="3" creationId="{2A9830FA-7054-FFB7-6AE1-7A4A61AB30F6}"/>
-          </ac:spMkLst>
-        </pc:spChg>
-        <pc:spChg chg="add mod ord">
-          <ac:chgData name="Weifeng Xu" userId="e7aed605-a3dd-4d5a-a692-a87037af107b" providerId="ADAL" clId="{781DD69C-B3C3-4AA3-A094-E5C237C15CAE}" dt="2025-04-26T19:54:23.185" v="1532" actId="700"/>
-          <ac:spMkLst>
-            <pc:docMk/>
-            <pc:sldMk cId="3781439804" sldId="280"/>
-            <ac:spMk id="4" creationId="{F10457BB-83AE-117B-24A3-495333A01D1B}"/>
-          </ac:spMkLst>
-        </pc:spChg>
       </pc:sldChg>
       <pc:sldChg chg="addSp delSp modSp new mod ord modClrScheme chgLayout">
         <pc:chgData name="Weifeng Xu" userId="e7aed605-a3dd-4d5a-a692-a87037af107b" providerId="ADAL" clId="{781DD69C-B3C3-4AA3-A094-E5C237C15CAE}" dt="2025-04-26T21:47:36.009" v="2016" actId="14100"/>
@@ -925,46 +413,6 @@
           <pc:docMk/>
           <pc:sldMk cId="3488664321" sldId="281"/>
         </pc:sldMkLst>
-        <pc:spChg chg="add mod ord">
-          <ac:chgData name="Weifeng Xu" userId="e7aed605-a3dd-4d5a-a692-a87037af107b" providerId="ADAL" clId="{781DD69C-B3C3-4AA3-A094-E5C237C15CAE}" dt="2025-04-26T20:13:49.258" v="1904" actId="313"/>
-          <ac:spMkLst>
-            <pc:docMk/>
-            <pc:sldMk cId="3488664321" sldId="281"/>
-            <ac:spMk id="4" creationId="{41F25EE3-69E1-78C2-E7CC-647AFB204EA4}"/>
-          </ac:spMkLst>
-        </pc:spChg>
-        <pc:picChg chg="add mod">
-          <ac:chgData name="Weifeng Xu" userId="e7aed605-a3dd-4d5a-a692-a87037af107b" providerId="ADAL" clId="{781DD69C-B3C3-4AA3-A094-E5C237C15CAE}" dt="2025-04-26T20:13:21.755" v="1903" actId="14100"/>
-          <ac:picMkLst>
-            <pc:docMk/>
-            <pc:sldMk cId="3488664321" sldId="281"/>
-            <ac:picMk id="7" creationId="{172B2450-A587-606C-0E68-264C97FC873F}"/>
-          </ac:picMkLst>
-        </pc:picChg>
-        <pc:picChg chg="add mod">
-          <ac:chgData name="Weifeng Xu" userId="e7aed605-a3dd-4d5a-a692-a87037af107b" providerId="ADAL" clId="{781DD69C-B3C3-4AA3-A094-E5C237C15CAE}" dt="2025-04-26T21:47:18.241" v="2012" actId="1076"/>
-          <ac:picMkLst>
-            <pc:docMk/>
-            <pc:sldMk cId="3488664321" sldId="281"/>
-            <ac:picMk id="8" creationId="{B0689684-6AAD-EB2D-16DC-2ED53D3EF99C}"/>
-          </ac:picMkLst>
-        </pc:picChg>
-        <pc:cxnChg chg="add mod">
-          <ac:chgData name="Weifeng Xu" userId="e7aed605-a3dd-4d5a-a692-a87037af107b" providerId="ADAL" clId="{781DD69C-B3C3-4AA3-A094-E5C237C15CAE}" dt="2025-04-26T21:47:36.009" v="2016" actId="14100"/>
-          <ac:cxnSpMkLst>
-            <pc:docMk/>
-            <pc:sldMk cId="3488664321" sldId="281"/>
-            <ac:cxnSpMk id="9" creationId="{C046BF2C-6C9C-E14F-C75B-4C0329560881}"/>
-          </ac:cxnSpMkLst>
-        </pc:cxnChg>
-        <pc:cxnChg chg="add mod">
-          <ac:chgData name="Weifeng Xu" userId="e7aed605-a3dd-4d5a-a692-a87037af107b" providerId="ADAL" clId="{781DD69C-B3C3-4AA3-A094-E5C237C15CAE}" dt="2025-04-26T21:47:18.241" v="2012" actId="1076"/>
-          <ac:cxnSpMkLst>
-            <pc:docMk/>
-            <pc:sldMk cId="3488664321" sldId="281"/>
-            <ac:cxnSpMk id="10" creationId="{CC999E35-1A50-CA54-047C-5906392284AC}"/>
-          </ac:cxnSpMkLst>
-        </pc:cxnChg>
       </pc:sldChg>
       <pc:sldChg chg="addSp modSp new mod ord modClrScheme chgLayout">
         <pc:chgData name="Weifeng Xu" userId="e7aed605-a3dd-4d5a-a692-a87037af107b" providerId="ADAL" clId="{781DD69C-B3C3-4AA3-A094-E5C237C15CAE}" dt="2025-04-27T02:09:36.068" v="2182" actId="20578"/>
@@ -972,30 +420,6 @@
           <pc:docMk/>
           <pc:sldMk cId="1945295399" sldId="282"/>
         </pc:sldMkLst>
-        <pc:spChg chg="mod ord">
-          <ac:chgData name="Weifeng Xu" userId="e7aed605-a3dd-4d5a-a692-a87037af107b" providerId="ADAL" clId="{781DD69C-B3C3-4AA3-A094-E5C237C15CAE}" dt="2025-04-26T21:34:04.599" v="1969" actId="27636"/>
-          <ac:spMkLst>
-            <pc:docMk/>
-            <pc:sldMk cId="1945295399" sldId="282"/>
-            <ac:spMk id="2" creationId="{604E1F9E-90AA-396D-8D88-88F11ED58BC4}"/>
-          </ac:spMkLst>
-        </pc:spChg>
-        <pc:spChg chg="add mod ord">
-          <ac:chgData name="Weifeng Xu" userId="e7aed605-a3dd-4d5a-a692-a87037af107b" providerId="ADAL" clId="{781DD69C-B3C3-4AA3-A094-E5C237C15CAE}" dt="2025-04-26T21:37:03.537" v="1986" actId="27636"/>
-          <ac:spMkLst>
-            <pc:docMk/>
-            <pc:sldMk cId="1945295399" sldId="282"/>
-            <ac:spMk id="3" creationId="{8D377212-E683-4691-7EC8-BE96B84C0200}"/>
-          </ac:spMkLst>
-        </pc:spChg>
-        <pc:picChg chg="add mod">
-          <ac:chgData name="Weifeng Xu" userId="e7aed605-a3dd-4d5a-a692-a87037af107b" providerId="ADAL" clId="{781DD69C-B3C3-4AA3-A094-E5C237C15CAE}" dt="2025-04-26T21:37:17.175" v="1989" actId="1076"/>
-          <ac:picMkLst>
-            <pc:docMk/>
-            <pc:sldMk cId="1945295399" sldId="282"/>
-            <ac:picMk id="5" creationId="{E6BD1C68-FD18-B2AB-01AF-035A88B1C30E}"/>
-          </ac:picMkLst>
-        </pc:picChg>
       </pc:sldChg>
       <pc:sldChg chg="addSp delSp modSp new mod modClrScheme chgLayout">
         <pc:chgData name="Weifeng Xu" userId="e7aed605-a3dd-4d5a-a692-a87037af107b" providerId="ADAL" clId="{781DD69C-B3C3-4AA3-A094-E5C237C15CAE}" dt="2025-04-27T01:55:26.871" v="2075" actId="1076"/>
@@ -1003,30 +427,6 @@
           <pc:docMk/>
           <pc:sldMk cId="2029838797" sldId="283"/>
         </pc:sldMkLst>
-        <pc:spChg chg="add mod">
-          <ac:chgData name="Weifeng Xu" userId="e7aed605-a3dd-4d5a-a692-a87037af107b" providerId="ADAL" clId="{781DD69C-B3C3-4AA3-A094-E5C237C15CAE}" dt="2025-04-27T01:55:26.871" v="2075" actId="1076"/>
-          <ac:spMkLst>
-            <pc:docMk/>
-            <pc:sldMk cId="2029838797" sldId="283"/>
-            <ac:spMk id="9" creationId="{80087D34-C5AF-6F0F-D493-9EABB249347A}"/>
-          </ac:spMkLst>
-        </pc:spChg>
-        <pc:picChg chg="add mod">
-          <ac:chgData name="Weifeng Xu" userId="e7aed605-a3dd-4d5a-a692-a87037af107b" providerId="ADAL" clId="{781DD69C-B3C3-4AA3-A094-E5C237C15CAE}" dt="2025-04-27T01:54:10.802" v="2065" actId="1076"/>
-          <ac:picMkLst>
-            <pc:docMk/>
-            <pc:sldMk cId="2029838797" sldId="283"/>
-            <ac:picMk id="6" creationId="{E9D9B901-E7DE-C464-A075-FC4AE1CE3CCF}"/>
-          </ac:picMkLst>
-        </pc:picChg>
-        <pc:picChg chg="add mod">
-          <ac:chgData name="Weifeng Xu" userId="e7aed605-a3dd-4d5a-a692-a87037af107b" providerId="ADAL" clId="{781DD69C-B3C3-4AA3-A094-E5C237C15CAE}" dt="2025-04-27T01:54:30.449" v="2069" actId="1076"/>
-          <ac:picMkLst>
-            <pc:docMk/>
-            <pc:sldMk cId="2029838797" sldId="283"/>
-            <ac:picMk id="8" creationId="{737B1CD7-9B8C-F7EC-FC0C-8D3C546EFACA}"/>
-          </ac:picMkLst>
-        </pc:picChg>
       </pc:sldChg>
       <pc:sldChg chg="addSp delSp modSp new mod modClrScheme chgLayout">
         <pc:chgData name="Weifeng Xu" userId="e7aed605-a3dd-4d5a-a692-a87037af107b" providerId="ADAL" clId="{781DD69C-B3C3-4AA3-A094-E5C237C15CAE}" dt="2025-04-28T14:29:07.779" v="2430" actId="20577"/>
@@ -1034,22 +434,6 @@
           <pc:docMk/>
           <pc:sldMk cId="2594740768" sldId="284"/>
         </pc:sldMkLst>
-        <pc:spChg chg="add mod ord">
-          <ac:chgData name="Weifeng Xu" userId="e7aed605-a3dd-4d5a-a692-a87037af107b" providerId="ADAL" clId="{781DD69C-B3C3-4AA3-A094-E5C237C15CAE}" dt="2025-04-28T14:28:54.379" v="2426" actId="20577"/>
-          <ac:spMkLst>
-            <pc:docMk/>
-            <pc:sldMk cId="2594740768" sldId="284"/>
-            <ac:spMk id="3" creationId="{FD43F5E4-A83A-4C24-CF57-48158AEBCE03}"/>
-          </ac:spMkLst>
-        </pc:spChg>
-        <pc:spChg chg="add mod ord">
-          <ac:chgData name="Weifeng Xu" userId="e7aed605-a3dd-4d5a-a692-a87037af107b" providerId="ADAL" clId="{781DD69C-B3C3-4AA3-A094-E5C237C15CAE}" dt="2025-04-28T14:29:07.779" v="2430" actId="20577"/>
-          <ac:spMkLst>
-            <pc:docMk/>
-            <pc:sldMk cId="2594740768" sldId="284"/>
-            <ac:spMk id="4" creationId="{7A31D013-44D8-3C54-DD91-D2CD2187D6CD}"/>
-          </ac:spMkLst>
-        </pc:spChg>
       </pc:sldChg>
       <pc:sldChg chg="addSp delSp modSp new mod modClrScheme chgLayout">
         <pc:chgData name="Weifeng Xu" userId="e7aed605-a3dd-4d5a-a692-a87037af107b" providerId="ADAL" clId="{781DD69C-B3C3-4AA3-A094-E5C237C15CAE}" dt="2025-04-27T15:21:24.795" v="2423" actId="20577"/>
@@ -1057,22 +441,6 @@
           <pc:docMk/>
           <pc:sldMk cId="1737937133" sldId="285"/>
         </pc:sldMkLst>
-        <pc:spChg chg="add mod ord">
-          <ac:chgData name="Weifeng Xu" userId="e7aed605-a3dd-4d5a-a692-a87037af107b" providerId="ADAL" clId="{781DD69C-B3C3-4AA3-A094-E5C237C15CAE}" dt="2025-04-27T15:21:24.795" v="2423" actId="20577"/>
-          <ac:spMkLst>
-            <pc:docMk/>
-            <pc:sldMk cId="1737937133" sldId="285"/>
-            <ac:spMk id="3" creationId="{5C790682-DDE9-4E66-90E2-D2D453B054DB}"/>
-          </ac:spMkLst>
-        </pc:spChg>
-        <pc:spChg chg="add mod ord">
-          <ac:chgData name="Weifeng Xu" userId="e7aed605-a3dd-4d5a-a692-a87037af107b" providerId="ADAL" clId="{781DD69C-B3C3-4AA3-A094-E5C237C15CAE}" dt="2025-04-27T15:18:08.696" v="2403" actId="700"/>
-          <ac:spMkLst>
-            <pc:docMk/>
-            <pc:sldMk cId="1737937133" sldId="285"/>
-            <ac:spMk id="4" creationId="{091EEBF4-F2A9-4EAA-4D15-0B7C7007EA94}"/>
-          </ac:spMkLst>
-        </pc:spChg>
       </pc:sldChg>
       <pc:sldChg chg="addSp delSp modSp new mod modClrScheme chgLayout">
         <pc:chgData name="Weifeng Xu" userId="e7aed605-a3dd-4d5a-a692-a87037af107b" providerId="ADAL" clId="{781DD69C-B3C3-4AA3-A094-E5C237C15CAE}" dt="2025-04-28T14:35:46.667" v="2555" actId="108"/>
@@ -1080,30 +448,6 @@
           <pc:docMk/>
           <pc:sldMk cId="3281955916" sldId="286"/>
         </pc:sldMkLst>
-        <pc:spChg chg="add mod ord">
-          <ac:chgData name="Weifeng Xu" userId="e7aed605-a3dd-4d5a-a692-a87037af107b" providerId="ADAL" clId="{781DD69C-B3C3-4AA3-A094-E5C237C15CAE}" dt="2025-04-28T14:29:32.322" v="2433"/>
-          <ac:spMkLst>
-            <pc:docMk/>
-            <pc:sldMk cId="3281955916" sldId="286"/>
-            <ac:spMk id="4" creationId="{ACCE3048-B548-EAFB-5944-526E94C2200A}"/>
-          </ac:spMkLst>
-        </pc:spChg>
-        <pc:spChg chg="add mod ord">
-          <ac:chgData name="Weifeng Xu" userId="e7aed605-a3dd-4d5a-a692-a87037af107b" providerId="ADAL" clId="{781DD69C-B3C3-4AA3-A094-E5C237C15CAE}" dt="2025-04-28T14:34:20.563" v="2542" actId="15"/>
-          <ac:spMkLst>
-            <pc:docMk/>
-            <pc:sldMk cId="3281955916" sldId="286"/>
-            <ac:spMk id="5" creationId="{6C7ED30E-6F36-C0A9-838D-9C8E371F1EEE}"/>
-          </ac:spMkLst>
-        </pc:spChg>
-        <pc:spChg chg="add mod">
-          <ac:chgData name="Weifeng Xu" userId="e7aed605-a3dd-4d5a-a692-a87037af107b" providerId="ADAL" clId="{781DD69C-B3C3-4AA3-A094-E5C237C15CAE}" dt="2025-04-28T14:35:46.667" v="2555" actId="108"/>
-          <ac:spMkLst>
-            <pc:docMk/>
-            <pc:sldMk cId="3281955916" sldId="286"/>
-            <ac:spMk id="7" creationId="{4E8B470C-664C-A8A4-9261-7269DE1DB1AE}"/>
-          </ac:spMkLst>
-        </pc:spChg>
       </pc:sldChg>
     </pc:docChg>
   </pc:docChgLst>
@@ -1120,14 +464,6 @@
           <pc:docMk/>
           <pc:sldMk cId="1325061211" sldId="256"/>
         </pc:sldMkLst>
-        <pc:spChg chg="mod">
-          <ac:chgData name="Weifeng Xu" userId="e7aed605-a3dd-4d5a-a692-a87037af107b" providerId="ADAL" clId="{9C06CBEB-0343-4287-8B81-0C702673DE5E}" dt="2025-04-23T01:31:59.756" v="4545" actId="20577"/>
-          <ac:spMkLst>
-            <pc:docMk/>
-            <pc:sldMk cId="1325061211" sldId="256"/>
-            <ac:spMk id="2" creationId="{00000000-0000-0000-0000-000000000000}"/>
-          </ac:spMkLst>
-        </pc:spChg>
       </pc:sldChg>
       <pc:sldChg chg="addSp delSp modSp mod modClrScheme chgLayout">
         <pc:chgData name="Weifeng Xu" userId="e7aed605-a3dd-4d5a-a692-a87037af107b" providerId="ADAL" clId="{9C06CBEB-0343-4287-8B81-0C702673DE5E}" dt="2025-04-20T02:53:00.098" v="242" actId="20577"/>
@@ -1156,22 +492,6 @@
           <pc:docMk/>
           <pc:sldMk cId="2715224073" sldId="260"/>
         </pc:sldMkLst>
-        <pc:spChg chg="add mod">
-          <ac:chgData name="Weifeng Xu" userId="e7aed605-a3dd-4d5a-a692-a87037af107b" providerId="ADAL" clId="{9C06CBEB-0343-4287-8B81-0C702673DE5E}" dt="2025-04-21T12:06:27.352" v="1955" actId="1076"/>
-          <ac:spMkLst>
-            <pc:docMk/>
-            <pc:sldMk cId="2715224073" sldId="260"/>
-            <ac:spMk id="5" creationId="{302465FC-B5C6-85AB-3113-83E55218AD07}"/>
-          </ac:spMkLst>
-        </pc:spChg>
-        <pc:picChg chg="add mod">
-          <ac:chgData name="Weifeng Xu" userId="e7aed605-a3dd-4d5a-a692-a87037af107b" providerId="ADAL" clId="{9C06CBEB-0343-4287-8B81-0C702673DE5E}" dt="2025-04-21T02:06:28.432" v="1904" actId="1076"/>
-          <ac:picMkLst>
-            <pc:docMk/>
-            <pc:sldMk cId="2715224073" sldId="260"/>
-            <ac:picMk id="1026" creationId="{FF59A094-1BE2-BED2-744C-86DFF7C8F953}"/>
-          </ac:picMkLst>
-        </pc:picChg>
       </pc:sldChg>
       <pc:sldChg chg="addSp delSp modSp new mod modClrScheme chgLayout">
         <pc:chgData name="Weifeng Xu" userId="e7aed605-a3dd-4d5a-a692-a87037af107b" providerId="ADAL" clId="{9C06CBEB-0343-4287-8B81-0C702673DE5E}" dt="2025-04-22T01:35:22.881" v="2625" actId="14100"/>
@@ -1179,54 +499,6 @@
           <pc:docMk/>
           <pc:sldMk cId="1030786537" sldId="261"/>
         </pc:sldMkLst>
-        <pc:spChg chg="add mod ord">
-          <ac:chgData name="Weifeng Xu" userId="e7aed605-a3dd-4d5a-a692-a87037af107b" providerId="ADAL" clId="{9C06CBEB-0343-4287-8B81-0C702673DE5E}" dt="2025-04-20T22:01:49.301" v="1392" actId="20577"/>
-          <ac:spMkLst>
-            <pc:docMk/>
-            <pc:sldMk cId="1030786537" sldId="261"/>
-            <ac:spMk id="3" creationId="{81DCB269-1203-1D2D-9E99-D3B48C46B194}"/>
-          </ac:spMkLst>
-        </pc:spChg>
-        <pc:spChg chg="add mod">
-          <ac:chgData name="Weifeng Xu" userId="e7aed605-a3dd-4d5a-a692-a87037af107b" providerId="ADAL" clId="{9C06CBEB-0343-4287-8B81-0C702673DE5E}" dt="2025-04-22T01:35:22.881" v="2625" actId="14100"/>
-          <ac:spMkLst>
-            <pc:docMk/>
-            <pc:sldMk cId="1030786537" sldId="261"/>
-            <ac:spMk id="13" creationId="{8ADAE649-F020-B6B2-BDF7-7228B8323408}"/>
-          </ac:spMkLst>
-        </pc:spChg>
-        <pc:graphicFrameChg chg="add mod modGraphic">
-          <ac:chgData name="Weifeng Xu" userId="e7aed605-a3dd-4d5a-a692-a87037af107b" providerId="ADAL" clId="{9C06CBEB-0343-4287-8B81-0C702673DE5E}" dt="2025-04-21T13:34:40.570" v="2027" actId="6549"/>
-          <ac:graphicFrameMkLst>
-            <pc:docMk/>
-            <pc:sldMk cId="1030786537" sldId="261"/>
-            <ac:graphicFrameMk id="2" creationId="{B808FA30-DCC3-2879-42EB-A487CBB0C49A}"/>
-          </ac:graphicFrameMkLst>
-        </pc:graphicFrameChg>
-        <pc:picChg chg="add mod">
-          <ac:chgData name="Weifeng Xu" userId="e7aed605-a3dd-4d5a-a692-a87037af107b" providerId="ADAL" clId="{9C06CBEB-0343-4287-8B81-0C702673DE5E}" dt="2025-04-20T22:57:06.886" v="1470" actId="14100"/>
-          <ac:picMkLst>
-            <pc:docMk/>
-            <pc:sldMk cId="1030786537" sldId="261"/>
-            <ac:picMk id="5" creationId="{5F7F7FF6-3932-3B34-DF55-20F49B6C5DC6}"/>
-          </ac:picMkLst>
-        </pc:picChg>
-        <pc:picChg chg="add mod">
-          <ac:chgData name="Weifeng Xu" userId="e7aed605-a3dd-4d5a-a692-a87037af107b" providerId="ADAL" clId="{9C06CBEB-0343-4287-8B81-0C702673DE5E}" dt="2025-04-20T22:37:51.033" v="1456" actId="14100"/>
-          <ac:picMkLst>
-            <pc:docMk/>
-            <pc:sldMk cId="1030786537" sldId="261"/>
-            <ac:picMk id="7" creationId="{BAAF111E-92E4-5750-48AA-EE070F60BC97}"/>
-          </ac:picMkLst>
-        </pc:picChg>
-        <pc:picChg chg="add mod">
-          <ac:chgData name="Weifeng Xu" userId="e7aed605-a3dd-4d5a-a692-a87037af107b" providerId="ADAL" clId="{9C06CBEB-0343-4287-8B81-0C702673DE5E}" dt="2025-04-20T22:57:08.806" v="1471" actId="1076"/>
-          <ac:picMkLst>
-            <pc:docMk/>
-            <pc:sldMk cId="1030786537" sldId="261"/>
-            <ac:picMk id="11" creationId="{76C81A08-5219-3C77-9B62-9703EEDE01B4}"/>
-          </ac:picMkLst>
-        </pc:picChg>
       </pc:sldChg>
       <pc:sldChg chg="addSp delSp modSp new mod">
         <pc:chgData name="Weifeng Xu" userId="e7aed605-a3dd-4d5a-a692-a87037af107b" providerId="ADAL" clId="{9C06CBEB-0343-4287-8B81-0C702673DE5E}" dt="2025-04-23T00:36:22.083" v="3996" actId="20577"/>
@@ -1248,38 +520,6 @@
           <pc:docMk/>
           <pc:sldMk cId="3548515090" sldId="264"/>
         </pc:sldMkLst>
-        <pc:spChg chg="add mod ord">
-          <ac:chgData name="Weifeng Xu" userId="e7aed605-a3dd-4d5a-a692-a87037af107b" providerId="ADAL" clId="{9C06CBEB-0343-4287-8B81-0C702673DE5E}" dt="2025-04-23T00:42:08.933" v="4070" actId="108"/>
-          <ac:spMkLst>
-            <pc:docMk/>
-            <pc:sldMk cId="3548515090" sldId="264"/>
-            <ac:spMk id="2" creationId="{E1B3C761-FCDE-CB83-9B9B-DF88947633D7}"/>
-          </ac:spMkLst>
-        </pc:spChg>
-        <pc:spChg chg="add mod">
-          <ac:chgData name="Weifeng Xu" userId="e7aed605-a3dd-4d5a-a692-a87037af107b" providerId="ADAL" clId="{9C06CBEB-0343-4287-8B81-0C702673DE5E}" dt="2025-04-23T00:28:07.356" v="3740" actId="20577"/>
-          <ac:spMkLst>
-            <pc:docMk/>
-            <pc:sldMk cId="3548515090" sldId="264"/>
-            <ac:spMk id="3" creationId="{A5D594D4-1B6F-8C8E-245D-ED539B52E659}"/>
-          </ac:spMkLst>
-        </pc:spChg>
-        <pc:picChg chg="add mod">
-          <ac:chgData name="Weifeng Xu" userId="e7aed605-a3dd-4d5a-a692-a87037af107b" providerId="ADAL" clId="{9C06CBEB-0343-4287-8B81-0C702673DE5E}" dt="2025-04-23T00:27:38.129" v="3711" actId="1076"/>
-          <ac:picMkLst>
-            <pc:docMk/>
-            <pc:sldMk cId="3548515090" sldId="264"/>
-            <ac:picMk id="4" creationId="{880BB6A8-7B18-4E99-A12E-336734E30BAD}"/>
-          </ac:picMkLst>
-        </pc:picChg>
-        <pc:cxnChg chg="add mod">
-          <ac:chgData name="Weifeng Xu" userId="e7aed605-a3dd-4d5a-a692-a87037af107b" providerId="ADAL" clId="{9C06CBEB-0343-4287-8B81-0C702673DE5E}" dt="2025-04-23T00:28:28.109" v="3744" actId="14100"/>
-          <ac:cxnSpMkLst>
-            <pc:docMk/>
-            <pc:sldMk cId="3548515090" sldId="264"/>
-            <ac:cxnSpMk id="6" creationId="{F3E5CD7F-61F0-833A-D245-6401D2618603}"/>
-          </ac:cxnSpMkLst>
-        </pc:cxnChg>
       </pc:sldChg>
       <pc:sldChg chg="addSp delSp modSp new mod modClrScheme chgLayout modNotesTx">
         <pc:chgData name="Weifeng Xu" userId="e7aed605-a3dd-4d5a-a692-a87037af107b" providerId="ADAL" clId="{9C06CBEB-0343-4287-8B81-0C702673DE5E}" dt="2025-04-21T13:40:04.327" v="2094" actId="207"/>
@@ -1287,46 +527,6 @@
           <pc:docMk/>
           <pc:sldMk cId="3523214092" sldId="265"/>
         </pc:sldMkLst>
-        <pc:spChg chg="add mod">
-          <ac:chgData name="Weifeng Xu" userId="e7aed605-a3dd-4d5a-a692-a87037af107b" providerId="ADAL" clId="{9C06CBEB-0343-4287-8B81-0C702673DE5E}" dt="2025-04-21T12:04:57.950" v="1936" actId="1076"/>
-          <ac:spMkLst>
-            <pc:docMk/>
-            <pc:sldMk cId="3523214092" sldId="265"/>
-            <ac:spMk id="5" creationId="{4D9D111C-DB08-AB7F-5E64-F7BFB8316C39}"/>
-          </ac:spMkLst>
-        </pc:spChg>
-        <pc:spChg chg="add mod">
-          <ac:chgData name="Weifeng Xu" userId="e7aed605-a3dd-4d5a-a692-a87037af107b" providerId="ADAL" clId="{9C06CBEB-0343-4287-8B81-0C702673DE5E}" dt="2025-04-21T12:05:37.564" v="1944" actId="1076"/>
-          <ac:spMkLst>
-            <pc:docMk/>
-            <pc:sldMk cId="3523214092" sldId="265"/>
-            <ac:spMk id="7" creationId="{26655640-B630-AE05-7736-CEDE894DDF45}"/>
-          </ac:spMkLst>
-        </pc:spChg>
-        <pc:spChg chg="add mod ord">
-          <ac:chgData name="Weifeng Xu" userId="e7aed605-a3dd-4d5a-a692-a87037af107b" providerId="ADAL" clId="{9C06CBEB-0343-4287-8B81-0C702673DE5E}" dt="2025-04-21T13:40:04.327" v="2094" actId="207"/>
-          <ac:spMkLst>
-            <pc:docMk/>
-            <pc:sldMk cId="3523214092" sldId="265"/>
-            <ac:spMk id="8" creationId="{E1BC22D9-F993-7B27-6E0A-BF2E76951BEF}"/>
-          </ac:spMkLst>
-        </pc:spChg>
-        <pc:picChg chg="add mod">
-          <ac:chgData name="Weifeng Xu" userId="e7aed605-a3dd-4d5a-a692-a87037af107b" providerId="ADAL" clId="{9C06CBEB-0343-4287-8B81-0C702673DE5E}" dt="2025-04-21T12:03:18.534" v="1922" actId="1076"/>
-          <ac:picMkLst>
-            <pc:docMk/>
-            <pc:sldMk cId="3523214092" sldId="265"/>
-            <ac:picMk id="1026" creationId="{1E51750B-4888-7222-EDD3-92035A54E663}"/>
-          </ac:picMkLst>
-        </pc:picChg>
-        <pc:picChg chg="add mod">
-          <ac:chgData name="Weifeng Xu" userId="e7aed605-a3dd-4d5a-a692-a87037af107b" providerId="ADAL" clId="{9C06CBEB-0343-4287-8B81-0C702673DE5E}" dt="2025-04-21T12:03:18.534" v="1922" actId="1076"/>
-          <ac:picMkLst>
-            <pc:docMk/>
-            <pc:sldMk cId="3523214092" sldId="265"/>
-            <ac:picMk id="1028" creationId="{F1144972-5B42-6FDE-09CA-A1F81F7A41B8}"/>
-          </ac:picMkLst>
-        </pc:picChg>
       </pc:sldChg>
       <pc:sldChg chg="addSp delSp modSp new mod ord modClrScheme chgLayout">
         <pc:chgData name="Weifeng Xu" userId="e7aed605-a3dd-4d5a-a692-a87037af107b" providerId="ADAL" clId="{9C06CBEB-0343-4287-8B81-0C702673DE5E}" dt="2025-04-23T01:02:14.800" v="4310" actId="207"/>
@@ -1334,126 +534,6 @@
           <pc:docMk/>
           <pc:sldMk cId="756868712" sldId="266"/>
         </pc:sldMkLst>
-        <pc:spChg chg="add mod">
-          <ac:chgData name="Weifeng Xu" userId="e7aed605-a3dd-4d5a-a692-a87037af107b" providerId="ADAL" clId="{9C06CBEB-0343-4287-8B81-0C702673DE5E}" dt="2025-04-22T12:58:32.614" v="3703" actId="20577"/>
-          <ac:spMkLst>
-            <pc:docMk/>
-            <pc:sldMk cId="756868712" sldId="266"/>
-            <ac:spMk id="2" creationId="{134B5921-3C66-94CF-BD5F-C00F4E5171B5}"/>
-          </ac:spMkLst>
-        </pc:spChg>
-        <pc:spChg chg="add mod">
-          <ac:chgData name="Weifeng Xu" userId="e7aed605-a3dd-4d5a-a692-a87037af107b" providerId="ADAL" clId="{9C06CBEB-0343-4287-8B81-0C702673DE5E}" dt="2025-04-22T01:55:18.922" v="2763" actId="21"/>
-          <ac:spMkLst>
-            <pc:docMk/>
-            <pc:sldMk cId="756868712" sldId="266"/>
-            <ac:spMk id="3" creationId="{E365B11C-EBD4-F25F-1021-494926DFC1A6}"/>
-          </ac:spMkLst>
-        </pc:spChg>
-        <pc:spChg chg="add mod">
-          <ac:chgData name="Weifeng Xu" userId="e7aed605-a3dd-4d5a-a692-a87037af107b" providerId="ADAL" clId="{9C06CBEB-0343-4287-8B81-0C702673DE5E}" dt="2025-04-22T01:55:41.835" v="2770" actId="21"/>
-          <ac:spMkLst>
-            <pc:docMk/>
-            <pc:sldMk cId="756868712" sldId="266"/>
-            <ac:spMk id="4" creationId="{98A44C20-8C78-C64E-1062-42830A5836A5}"/>
-          </ac:spMkLst>
-        </pc:spChg>
-        <pc:spChg chg="add mod">
-          <ac:chgData name="Weifeng Xu" userId="e7aed605-a3dd-4d5a-a692-a87037af107b" providerId="ADAL" clId="{9C06CBEB-0343-4287-8B81-0C702673DE5E}" dt="2025-04-22T01:54:57.136" v="2761" actId="1076"/>
-          <ac:spMkLst>
-            <pc:docMk/>
-            <pc:sldMk cId="756868712" sldId="266"/>
-            <ac:spMk id="9" creationId="{B5F055F3-8267-FB45-4A18-7CB178F43AEB}"/>
-          </ac:spMkLst>
-        </pc:spChg>
-        <pc:spChg chg="add mod">
-          <ac:chgData name="Weifeng Xu" userId="e7aed605-a3dd-4d5a-a692-a87037af107b" providerId="ADAL" clId="{9C06CBEB-0343-4287-8B81-0C702673DE5E}" dt="2025-04-22T01:54:57.136" v="2761" actId="1076"/>
-          <ac:spMkLst>
-            <pc:docMk/>
-            <pc:sldMk cId="756868712" sldId="266"/>
-            <ac:spMk id="10" creationId="{AC7550A3-AE9C-173F-0C40-20DA2655E237}"/>
-          </ac:spMkLst>
-        </pc:spChg>
-        <pc:spChg chg="add mod">
-          <ac:chgData name="Weifeng Xu" userId="e7aed605-a3dd-4d5a-a692-a87037af107b" providerId="ADAL" clId="{9C06CBEB-0343-4287-8B81-0C702673DE5E}" dt="2025-04-22T01:54:57.136" v="2761" actId="1076"/>
-          <ac:spMkLst>
-            <pc:docMk/>
-            <pc:sldMk cId="756868712" sldId="266"/>
-            <ac:spMk id="14" creationId="{3218EC25-879C-3B56-7ECF-6EC54424832E}"/>
-          </ac:spMkLst>
-        </pc:spChg>
-        <pc:spChg chg="add mod">
-          <ac:chgData name="Weifeng Xu" userId="e7aed605-a3dd-4d5a-a692-a87037af107b" providerId="ADAL" clId="{9C06CBEB-0343-4287-8B81-0C702673DE5E}" dt="2025-04-22T12:59:57.624" v="3704" actId="1076"/>
-          <ac:spMkLst>
-            <pc:docMk/>
-            <pc:sldMk cId="756868712" sldId="266"/>
-            <ac:spMk id="17" creationId="{526A06AC-9FF7-E5CC-2F1E-A620376F4310}"/>
-          </ac:spMkLst>
-        </pc:spChg>
-        <pc:spChg chg="add mod">
-          <ac:chgData name="Weifeng Xu" userId="e7aed605-a3dd-4d5a-a692-a87037af107b" providerId="ADAL" clId="{9C06CBEB-0343-4287-8B81-0C702673DE5E}" dt="2025-04-22T01:56:13.347" v="2778" actId="403"/>
-          <ac:spMkLst>
-            <pc:docMk/>
-            <pc:sldMk cId="756868712" sldId="266"/>
-            <ac:spMk id="19" creationId="{A38F6750-44D6-D2EB-DFD0-7DAE6A80A5B8}"/>
-          </ac:spMkLst>
-        </pc:spChg>
-        <pc:spChg chg="add mod">
-          <ac:chgData name="Weifeng Xu" userId="e7aed605-a3dd-4d5a-a692-a87037af107b" providerId="ADAL" clId="{9C06CBEB-0343-4287-8B81-0C702673DE5E}" dt="2025-04-22T01:56:09.399" v="2777" actId="403"/>
-          <ac:spMkLst>
-            <pc:docMk/>
-            <pc:sldMk cId="756868712" sldId="266"/>
-            <ac:spMk id="21" creationId="{889D8863-3C6A-4377-FCB5-93580599ADA9}"/>
-          </ac:spMkLst>
-        </pc:spChg>
-        <pc:graphicFrameChg chg="add mod modGraphic">
-          <ac:chgData name="Weifeng Xu" userId="e7aed605-a3dd-4d5a-a692-a87037af107b" providerId="ADAL" clId="{9C06CBEB-0343-4287-8B81-0C702673DE5E}" dt="2025-04-23T01:02:14.800" v="4310" actId="207"/>
-          <ac:graphicFrameMkLst>
-            <pc:docMk/>
-            <pc:sldMk cId="756868712" sldId="266"/>
-            <ac:graphicFrameMk id="16" creationId="{026979C5-5F23-0247-08F5-C5ADEBB17507}"/>
-          </ac:graphicFrameMkLst>
-        </pc:graphicFrameChg>
-        <pc:cxnChg chg="add mod">
-          <ac:chgData name="Weifeng Xu" userId="e7aed605-a3dd-4d5a-a692-a87037af107b" providerId="ADAL" clId="{9C06CBEB-0343-4287-8B81-0C702673DE5E}" dt="2025-04-22T01:54:57.136" v="2761" actId="1076"/>
-          <ac:cxnSpMkLst>
-            <pc:docMk/>
-            <pc:sldMk cId="756868712" sldId="266"/>
-            <ac:cxnSpMk id="6" creationId="{4F99D7D3-41D4-1449-4466-C0F33CB5CF19}"/>
-          </ac:cxnSpMkLst>
-        </pc:cxnChg>
-        <pc:cxnChg chg="add mod">
-          <ac:chgData name="Weifeng Xu" userId="e7aed605-a3dd-4d5a-a692-a87037af107b" providerId="ADAL" clId="{9C06CBEB-0343-4287-8B81-0C702673DE5E}" dt="2025-04-22T01:54:57.136" v="2761" actId="1076"/>
-          <ac:cxnSpMkLst>
-            <pc:docMk/>
-            <pc:sldMk cId="756868712" sldId="266"/>
-            <ac:cxnSpMk id="8" creationId="{62271A26-2C5D-8007-39E4-9A5E556A6326}"/>
-          </ac:cxnSpMkLst>
-        </pc:cxnChg>
-        <pc:cxnChg chg="add mod">
-          <ac:chgData name="Weifeng Xu" userId="e7aed605-a3dd-4d5a-a692-a87037af107b" providerId="ADAL" clId="{9C06CBEB-0343-4287-8B81-0C702673DE5E}" dt="2025-04-22T01:54:57.136" v="2761" actId="1076"/>
-          <ac:cxnSpMkLst>
-            <pc:docMk/>
-            <pc:sldMk cId="756868712" sldId="266"/>
-            <ac:cxnSpMk id="11" creationId="{19876661-26BB-9677-B47C-B9DE0695798A}"/>
-          </ac:cxnSpMkLst>
-        </pc:cxnChg>
-        <pc:cxnChg chg="add">
-          <ac:chgData name="Weifeng Xu" userId="e7aed605-a3dd-4d5a-a692-a87037af107b" providerId="ADAL" clId="{9C06CBEB-0343-4287-8B81-0C702673DE5E}" dt="2025-04-22T01:56:22.128" v="2779" actId="11529"/>
-          <ac:cxnSpMkLst>
-            <pc:docMk/>
-            <pc:sldMk cId="756868712" sldId="266"/>
-            <ac:cxnSpMk id="23" creationId="{3A3F91EC-24FA-D243-C3BD-2F864BE3CB6A}"/>
-          </ac:cxnSpMkLst>
-        </pc:cxnChg>
-        <pc:cxnChg chg="add mod">
-          <ac:chgData name="Weifeng Xu" userId="e7aed605-a3dd-4d5a-a692-a87037af107b" providerId="ADAL" clId="{9C06CBEB-0343-4287-8B81-0C702673DE5E}" dt="2025-04-22T01:56:29.716" v="2781" actId="13822"/>
-          <ac:cxnSpMkLst>
-            <pc:docMk/>
-            <pc:sldMk cId="756868712" sldId="266"/>
-            <ac:cxnSpMk id="25" creationId="{747B63C2-6884-188B-A46A-D377B79AF75D}"/>
-          </ac:cxnSpMkLst>
-        </pc:cxnChg>
       </pc:sldChg>
       <pc:sldChg chg="addSp delSp modSp add mod">
         <pc:chgData name="Weifeng Xu" userId="e7aed605-a3dd-4d5a-a692-a87037af107b" providerId="ADAL" clId="{9C06CBEB-0343-4287-8B81-0C702673DE5E}" dt="2025-04-22T02:46:00.589" v="3485" actId="20577"/>
@@ -1461,222 +541,6 @@
           <pc:docMk/>
           <pc:sldMk cId="2973990778" sldId="267"/>
         </pc:sldMkLst>
-        <pc:spChg chg="mod">
-          <ac:chgData name="Weifeng Xu" userId="e7aed605-a3dd-4d5a-a692-a87037af107b" providerId="ADAL" clId="{9C06CBEB-0343-4287-8B81-0C702673DE5E}" dt="2025-04-22T02:37:32.390" v="3271" actId="20577"/>
-          <ac:spMkLst>
-            <pc:docMk/>
-            <pc:sldMk cId="2973990778" sldId="267"/>
-            <ac:spMk id="2" creationId="{894262E2-16C7-FD17-EE0D-76F6F3A366F5}"/>
-          </ac:spMkLst>
-        </pc:spChg>
-        <pc:spChg chg="mod">
-          <ac:chgData name="Weifeng Xu" userId="e7aed605-a3dd-4d5a-a692-a87037af107b" providerId="ADAL" clId="{9C06CBEB-0343-4287-8B81-0C702673DE5E}" dt="2025-04-22T02:30:09.642" v="3171" actId="1076"/>
-          <ac:spMkLst>
-            <pc:docMk/>
-            <pc:sldMk cId="2973990778" sldId="267"/>
-            <ac:spMk id="3" creationId="{68A8026E-421C-BBAF-98D5-630108F136AD}"/>
-          </ac:spMkLst>
-        </pc:spChg>
-        <pc:spChg chg="mod">
-          <ac:chgData name="Weifeng Xu" userId="e7aed605-a3dd-4d5a-a692-a87037af107b" providerId="ADAL" clId="{9C06CBEB-0343-4287-8B81-0C702673DE5E}" dt="2025-04-22T02:30:09.642" v="3171" actId="1076"/>
-          <ac:spMkLst>
-            <pc:docMk/>
-            <pc:sldMk cId="2973990778" sldId="267"/>
-            <ac:spMk id="4" creationId="{AF0507BA-532E-974C-24F8-90DBC95F28A6}"/>
-          </ac:spMkLst>
-        </pc:spChg>
-        <pc:spChg chg="mod">
-          <ac:chgData name="Weifeng Xu" userId="e7aed605-a3dd-4d5a-a692-a87037af107b" providerId="ADAL" clId="{9C06CBEB-0343-4287-8B81-0C702673DE5E}" dt="2025-04-22T02:30:09.642" v="3171" actId="1076"/>
-          <ac:spMkLst>
-            <pc:docMk/>
-            <pc:sldMk cId="2973990778" sldId="267"/>
-            <ac:spMk id="9" creationId="{D95B0481-8148-3003-E176-CB73B7344275}"/>
-          </ac:spMkLst>
-        </pc:spChg>
-        <pc:spChg chg="mod">
-          <ac:chgData name="Weifeng Xu" userId="e7aed605-a3dd-4d5a-a692-a87037af107b" providerId="ADAL" clId="{9C06CBEB-0343-4287-8B81-0C702673DE5E}" dt="2025-04-22T02:30:09.642" v="3171" actId="1076"/>
-          <ac:spMkLst>
-            <pc:docMk/>
-            <pc:sldMk cId="2973990778" sldId="267"/>
-            <ac:spMk id="10" creationId="{D5FFDA0B-F49E-57A1-C300-69B0F15C12A1}"/>
-          </ac:spMkLst>
-        </pc:spChg>
-        <pc:spChg chg="mod">
-          <ac:chgData name="Weifeng Xu" userId="e7aed605-a3dd-4d5a-a692-a87037af107b" providerId="ADAL" clId="{9C06CBEB-0343-4287-8B81-0C702673DE5E}" dt="2025-04-22T02:30:09.642" v="3171" actId="1076"/>
-          <ac:spMkLst>
-            <pc:docMk/>
-            <pc:sldMk cId="2973990778" sldId="267"/>
-            <ac:spMk id="14" creationId="{5ACBF927-0E3F-5DCE-E96A-EB0D39DE31F3}"/>
-          </ac:spMkLst>
-        </pc:spChg>
-        <pc:spChg chg="mod">
-          <ac:chgData name="Weifeng Xu" userId="e7aed605-a3dd-4d5a-a692-a87037af107b" providerId="ADAL" clId="{9C06CBEB-0343-4287-8B81-0C702673DE5E}" dt="2025-04-22T02:28:39.989" v="3166" actId="113"/>
-          <ac:spMkLst>
-            <pc:docMk/>
-            <pc:sldMk cId="2973990778" sldId="267"/>
-            <ac:spMk id="19" creationId="{11B9A83F-C2C3-404D-D825-653EC72EEFE4}"/>
-          </ac:spMkLst>
-        </pc:spChg>
-        <pc:spChg chg="mod">
-          <ac:chgData name="Weifeng Xu" userId="e7aed605-a3dd-4d5a-a692-a87037af107b" providerId="ADAL" clId="{9C06CBEB-0343-4287-8B81-0C702673DE5E}" dt="2025-04-22T02:30:09.642" v="3171" actId="1076"/>
-          <ac:spMkLst>
-            <pc:docMk/>
-            <pc:sldMk cId="2973990778" sldId="267"/>
-            <ac:spMk id="21" creationId="{AC01F28D-225B-B699-10AB-D8564291C0BB}"/>
-          </ac:spMkLst>
-        </pc:spChg>
-        <pc:spChg chg="add mod">
-          <ac:chgData name="Weifeng Xu" userId="e7aed605-a3dd-4d5a-a692-a87037af107b" providerId="ADAL" clId="{9C06CBEB-0343-4287-8B81-0C702673DE5E}" dt="2025-04-22T02:08:04.541" v="2958" actId="1076"/>
-          <ac:spMkLst>
-            <pc:docMk/>
-            <pc:sldMk cId="2973990778" sldId="267"/>
-            <ac:spMk id="22" creationId="{4716D833-FE69-5420-0D93-C9D1F0055E28}"/>
-          </ac:spMkLst>
-        </pc:spChg>
-        <pc:spChg chg="add mod">
-          <ac:chgData name="Weifeng Xu" userId="e7aed605-a3dd-4d5a-a692-a87037af107b" providerId="ADAL" clId="{9C06CBEB-0343-4287-8B81-0C702673DE5E}" dt="2025-04-22T02:30:09.642" v="3171" actId="1076"/>
-          <ac:spMkLst>
-            <pc:docMk/>
-            <pc:sldMk cId="2973990778" sldId="267"/>
-            <ac:spMk id="27" creationId="{0ECFDFF0-B087-D0B4-93C9-B10C138E1035}"/>
-          </ac:spMkLst>
-        </pc:spChg>
-        <pc:spChg chg="add mod">
-          <ac:chgData name="Weifeng Xu" userId="e7aed605-a3dd-4d5a-a692-a87037af107b" providerId="ADAL" clId="{9C06CBEB-0343-4287-8B81-0C702673DE5E}" dt="2025-04-22T02:37:52.589" v="3272" actId="1076"/>
-          <ac:spMkLst>
-            <pc:docMk/>
-            <pc:sldMk cId="2973990778" sldId="267"/>
-            <ac:spMk id="29" creationId="{CA5CC975-F25B-3D8A-461E-6115E0DAF8AB}"/>
-          </ac:spMkLst>
-        </pc:spChg>
-        <pc:spChg chg="add mod">
-          <ac:chgData name="Weifeng Xu" userId="e7aed605-a3dd-4d5a-a692-a87037af107b" providerId="ADAL" clId="{9C06CBEB-0343-4287-8B81-0C702673DE5E}" dt="2025-04-22T02:30:09.642" v="3171" actId="1076"/>
-          <ac:spMkLst>
-            <pc:docMk/>
-            <pc:sldMk cId="2973990778" sldId="267"/>
-            <ac:spMk id="30" creationId="{B5F3A23F-F8A4-1C21-A0AB-71C57DE96DC7}"/>
-          </ac:spMkLst>
-        </pc:spChg>
-        <pc:spChg chg="add mod">
-          <ac:chgData name="Weifeng Xu" userId="e7aed605-a3dd-4d5a-a692-a87037af107b" providerId="ADAL" clId="{9C06CBEB-0343-4287-8B81-0C702673DE5E}" dt="2025-04-22T02:30:09.642" v="3171" actId="1076"/>
-          <ac:spMkLst>
-            <pc:docMk/>
-            <pc:sldMk cId="2973990778" sldId="267"/>
-            <ac:spMk id="31" creationId="{EF0553C8-0D4B-14CB-41E3-4F85A92147EF}"/>
-          </ac:spMkLst>
-        </pc:spChg>
-        <pc:spChg chg="add mod">
-          <ac:chgData name="Weifeng Xu" userId="e7aed605-a3dd-4d5a-a692-a87037af107b" providerId="ADAL" clId="{9C06CBEB-0343-4287-8B81-0C702673DE5E}" dt="2025-04-22T02:30:09.642" v="3171" actId="1076"/>
-          <ac:spMkLst>
-            <pc:docMk/>
-            <pc:sldMk cId="2973990778" sldId="267"/>
-            <ac:spMk id="32" creationId="{DCD58411-CFDE-1607-9709-D5D68FE65A38}"/>
-          </ac:spMkLst>
-        </pc:spChg>
-        <pc:spChg chg="add">
-          <ac:chgData name="Weifeng Xu" userId="e7aed605-a3dd-4d5a-a692-a87037af107b" providerId="ADAL" clId="{9C06CBEB-0343-4287-8B81-0C702673DE5E}" dt="2025-04-22T02:31:34.605" v="3172" actId="11529"/>
-          <ac:spMkLst>
-            <pc:docMk/>
-            <pc:sldMk cId="2973990778" sldId="267"/>
-            <ac:spMk id="39" creationId="{CD1B5AEE-7430-9224-C497-FB478A31D0BF}"/>
-          </ac:spMkLst>
-        </pc:spChg>
-        <pc:spChg chg="add mod">
-          <ac:chgData name="Weifeng Xu" userId="e7aed605-a3dd-4d5a-a692-a87037af107b" providerId="ADAL" clId="{9C06CBEB-0343-4287-8B81-0C702673DE5E}" dt="2025-04-22T02:46:00.589" v="3485" actId="20577"/>
-          <ac:spMkLst>
-            <pc:docMk/>
-            <pc:sldMk cId="2973990778" sldId="267"/>
-            <ac:spMk id="40" creationId="{C67B3C9D-2DF5-849E-BA7D-87B62016553F}"/>
-          </ac:spMkLst>
-        </pc:spChg>
-        <pc:spChg chg="add mod">
-          <ac:chgData name="Weifeng Xu" userId="e7aed605-a3dd-4d5a-a692-a87037af107b" providerId="ADAL" clId="{9C06CBEB-0343-4287-8B81-0C702673DE5E}" dt="2025-04-22T02:44:39.226" v="3448" actId="20577"/>
-          <ac:spMkLst>
-            <pc:docMk/>
-            <pc:sldMk cId="2973990778" sldId="267"/>
-            <ac:spMk id="41" creationId="{B0FF4BD1-4C4E-43CD-C646-69FFBB84A872}"/>
-          </ac:spMkLst>
-        </pc:spChg>
-        <pc:inkChg chg="add">
-          <ac:chgData name="Weifeng Xu" userId="e7aed605-a3dd-4d5a-a692-a87037af107b" providerId="ADAL" clId="{9C06CBEB-0343-4287-8B81-0C702673DE5E}" dt="2025-04-22T02:26:59.065" v="3158" actId="9405"/>
-          <ac:inkMkLst>
-            <pc:docMk/>
-            <pc:sldMk cId="2973990778" sldId="267"/>
-            <ac:inkMk id="34" creationId="{58E40368-15A6-E080-D83A-04CEE6E860BE}"/>
-          </ac:inkMkLst>
-        </pc:inkChg>
-        <pc:inkChg chg="add">
-          <ac:chgData name="Weifeng Xu" userId="e7aed605-a3dd-4d5a-a692-a87037af107b" providerId="ADAL" clId="{9C06CBEB-0343-4287-8B81-0C702673DE5E}" dt="2025-04-22T02:27:43.577" v="3160" actId="9405"/>
-          <ac:inkMkLst>
-            <pc:docMk/>
-            <pc:sldMk cId="2973990778" sldId="267"/>
-            <ac:inkMk id="36" creationId="{5CC48658-2FAC-944C-E412-0509F0699F98}"/>
-          </ac:inkMkLst>
-        </pc:inkChg>
-        <pc:inkChg chg="add">
-          <ac:chgData name="Weifeng Xu" userId="e7aed605-a3dd-4d5a-a692-a87037af107b" providerId="ADAL" clId="{9C06CBEB-0343-4287-8B81-0C702673DE5E}" dt="2025-04-22T02:29:15.578" v="3169" actId="9405"/>
-          <ac:inkMkLst>
-            <pc:docMk/>
-            <pc:sldMk cId="2973990778" sldId="267"/>
-            <ac:inkMk id="37" creationId="{36BB3AF9-E841-72A0-4027-D38C4682507A}"/>
-          </ac:inkMkLst>
-        </pc:inkChg>
-        <pc:inkChg chg="add">
-          <ac:chgData name="Weifeng Xu" userId="e7aed605-a3dd-4d5a-a692-a87037af107b" providerId="ADAL" clId="{9C06CBEB-0343-4287-8B81-0C702673DE5E}" dt="2025-04-22T02:29:36.979" v="3170" actId="9405"/>
-          <ac:inkMkLst>
-            <pc:docMk/>
-            <pc:sldMk cId="2973990778" sldId="267"/>
-            <ac:inkMk id="38" creationId="{18A1F742-23AC-939B-B637-3326A7687321}"/>
-          </ac:inkMkLst>
-        </pc:inkChg>
-        <pc:cxnChg chg="mod">
-          <ac:chgData name="Weifeng Xu" userId="e7aed605-a3dd-4d5a-a692-a87037af107b" providerId="ADAL" clId="{9C06CBEB-0343-4287-8B81-0C702673DE5E}" dt="2025-04-22T02:02:47.938" v="2884" actId="14100"/>
-          <ac:cxnSpMkLst>
-            <pc:docMk/>
-            <pc:sldMk cId="2973990778" sldId="267"/>
-            <ac:cxnSpMk id="6" creationId="{0C7D1647-754F-5360-804E-5C9DD8D3A8F6}"/>
-          </ac:cxnSpMkLst>
-        </pc:cxnChg>
-        <pc:cxnChg chg="mod">
-          <ac:chgData name="Weifeng Xu" userId="e7aed605-a3dd-4d5a-a692-a87037af107b" providerId="ADAL" clId="{9C06CBEB-0343-4287-8B81-0C702673DE5E}" dt="2025-04-22T02:02:51.822" v="2885" actId="14100"/>
-          <ac:cxnSpMkLst>
-            <pc:docMk/>
-            <pc:sldMk cId="2973990778" sldId="267"/>
-            <ac:cxnSpMk id="8" creationId="{7DEE4685-A7F4-66CF-E954-6EBAACF487E7}"/>
-          </ac:cxnSpMkLst>
-        </pc:cxnChg>
-        <pc:cxnChg chg="mod">
-          <ac:chgData name="Weifeng Xu" userId="e7aed605-a3dd-4d5a-a692-a87037af107b" providerId="ADAL" clId="{9C06CBEB-0343-4287-8B81-0C702673DE5E}" dt="2025-04-22T02:04:23.265" v="2904" actId="1076"/>
-          <ac:cxnSpMkLst>
-            <pc:docMk/>
-            <pc:sldMk cId="2973990778" sldId="267"/>
-            <ac:cxnSpMk id="11" creationId="{9E5CABEC-39AC-F87A-EE39-04D7C93EFE20}"/>
-          </ac:cxnSpMkLst>
-        </pc:cxnChg>
-        <pc:cxnChg chg="mod">
-          <ac:chgData name="Weifeng Xu" userId="e7aed605-a3dd-4d5a-a692-a87037af107b" providerId="ADAL" clId="{9C06CBEB-0343-4287-8B81-0C702673DE5E}" dt="2025-04-22T02:28:45.639" v="3167" actId="13822"/>
-          <ac:cxnSpMkLst>
-            <pc:docMk/>
-            <pc:sldMk cId="2973990778" sldId="267"/>
-            <ac:cxnSpMk id="23" creationId="{F928C615-9890-52D3-ABF3-B98F0AD20251}"/>
-          </ac:cxnSpMkLst>
-        </pc:cxnChg>
-        <pc:cxnChg chg="mod">
-          <ac:chgData name="Weifeng Xu" userId="e7aed605-a3dd-4d5a-a692-a87037af107b" providerId="ADAL" clId="{9C06CBEB-0343-4287-8B81-0C702673DE5E}" dt="2025-04-22T02:02:28.695" v="2882" actId="1076"/>
-          <ac:cxnSpMkLst>
-            <pc:docMk/>
-            <pc:sldMk cId="2973990778" sldId="267"/>
-            <ac:cxnSpMk id="25" creationId="{90436517-C384-675C-EF7F-4DCCB5728398}"/>
-          </ac:cxnSpMkLst>
-        </pc:cxnChg>
-        <pc:cxnChg chg="add mod">
-          <ac:chgData name="Weifeng Xu" userId="e7aed605-a3dd-4d5a-a692-a87037af107b" providerId="ADAL" clId="{9C06CBEB-0343-4287-8B81-0C702673DE5E}" dt="2025-04-22T02:08:04.541" v="2958" actId="1076"/>
-          <ac:cxnSpMkLst>
-            <pc:docMk/>
-            <pc:sldMk cId="2973990778" sldId="267"/>
-            <ac:cxnSpMk id="26" creationId="{E0FD8673-A74E-01BD-A3E1-C5AFBBA54270}"/>
-          </ac:cxnSpMkLst>
-        </pc:cxnChg>
       </pc:sldChg>
       <pc:sldChg chg="addSp delSp modSp add del mod">
         <pc:chgData name="Weifeng Xu" userId="e7aed605-a3dd-4d5a-a692-a87037af107b" providerId="ADAL" clId="{9C06CBEB-0343-4287-8B81-0C702673DE5E}" dt="2025-04-22T12:56:50.206" v="3699" actId="1076"/>
@@ -1684,46 +548,6 @@
           <pc:docMk/>
           <pc:sldMk cId="2042884208" sldId="268"/>
         </pc:sldMkLst>
-        <pc:spChg chg="mod">
-          <ac:chgData name="Weifeng Xu" userId="e7aed605-a3dd-4d5a-a692-a87037af107b" providerId="ADAL" clId="{9C06CBEB-0343-4287-8B81-0C702673DE5E}" dt="2025-04-22T02:56:04.904" v="3531" actId="207"/>
-          <ac:spMkLst>
-            <pc:docMk/>
-            <pc:sldMk cId="2042884208" sldId="268"/>
-            <ac:spMk id="2" creationId="{075D9F15-6B7F-32E9-F629-6C562C9044FB}"/>
-          </ac:spMkLst>
-        </pc:spChg>
-        <pc:spChg chg="add mod">
-          <ac:chgData name="Weifeng Xu" userId="e7aed605-a3dd-4d5a-a692-a87037af107b" providerId="ADAL" clId="{9C06CBEB-0343-4287-8B81-0C702673DE5E}" dt="2025-04-22T02:54:06.466" v="3508" actId="207"/>
-          <ac:spMkLst>
-            <pc:docMk/>
-            <pc:sldMk cId="2042884208" sldId="268"/>
-            <ac:spMk id="12" creationId="{0EE1C4CA-9D2E-2D96-2DF4-78F4BB978EA7}"/>
-          </ac:spMkLst>
-        </pc:spChg>
-        <pc:spChg chg="add mod">
-          <ac:chgData name="Weifeng Xu" userId="e7aed605-a3dd-4d5a-a692-a87037af107b" providerId="ADAL" clId="{9C06CBEB-0343-4287-8B81-0C702673DE5E}" dt="2025-04-22T12:56:50.206" v="3699" actId="1076"/>
-          <ac:spMkLst>
-            <pc:docMk/>
-            <pc:sldMk cId="2042884208" sldId="268"/>
-            <ac:spMk id="17" creationId="{98FDE7E6-1789-0719-7352-3EB807F53CF9}"/>
-          </ac:spMkLst>
-        </pc:spChg>
-        <pc:cxnChg chg="add mod">
-          <ac:chgData name="Weifeng Xu" userId="e7aed605-a3dd-4d5a-a692-a87037af107b" providerId="ADAL" clId="{9C06CBEB-0343-4287-8B81-0C702673DE5E}" dt="2025-04-22T02:54:15.708" v="3510" actId="13822"/>
-          <ac:cxnSpMkLst>
-            <pc:docMk/>
-            <pc:sldMk cId="2042884208" sldId="268"/>
-            <ac:cxnSpMk id="14" creationId="{34FD62D5-0770-B4DD-35AE-2D270CDF38F4}"/>
-          </ac:cxnSpMkLst>
-        </pc:cxnChg>
-        <pc:cxnChg chg="add mod">
-          <ac:chgData name="Weifeng Xu" userId="e7aed605-a3dd-4d5a-a692-a87037af107b" providerId="ADAL" clId="{9C06CBEB-0343-4287-8B81-0C702673DE5E}" dt="2025-04-22T12:56:44.563" v="3698" actId="1035"/>
-          <ac:cxnSpMkLst>
-            <pc:docMk/>
-            <pc:sldMk cId="2042884208" sldId="268"/>
-            <ac:cxnSpMk id="16" creationId="{D20744A7-5BD4-7350-6D41-8A72772D7E23}"/>
-          </ac:cxnSpMkLst>
-        </pc:cxnChg>
       </pc:sldChg>
       <pc:sldChg chg="addSp delSp modSp add mod modClrScheme chgLayout">
         <pc:chgData name="Weifeng Xu" userId="e7aed605-a3dd-4d5a-a692-a87037af107b" providerId="ADAL" clId="{9C06CBEB-0343-4287-8B81-0C702673DE5E}" dt="2025-04-23T01:19:14.631" v="4375" actId="207"/>
@@ -1731,46 +555,6 @@
           <pc:docMk/>
           <pc:sldMk cId="3256057421" sldId="269"/>
         </pc:sldMkLst>
-        <pc:spChg chg="add mod">
-          <ac:chgData name="Weifeng Xu" userId="e7aed605-a3dd-4d5a-a692-a87037af107b" providerId="ADAL" clId="{9C06CBEB-0343-4287-8B81-0C702673DE5E}" dt="2025-04-23T00:31:29.490" v="3906" actId="1038"/>
-          <ac:spMkLst>
-            <pc:docMk/>
-            <pc:sldMk cId="3256057421" sldId="269"/>
-            <ac:spMk id="3" creationId="{73A806C7-EC6D-DEA3-23B4-CDDCDAB909AC}"/>
-          </ac:spMkLst>
-        </pc:spChg>
-        <pc:spChg chg="add mod">
-          <ac:chgData name="Weifeng Xu" userId="e7aed605-a3dd-4d5a-a692-a87037af107b" providerId="ADAL" clId="{9C06CBEB-0343-4287-8B81-0C702673DE5E}" dt="2025-04-23T01:19:14.631" v="4375" actId="207"/>
-          <ac:spMkLst>
-            <pc:docMk/>
-            <pc:sldMk cId="3256057421" sldId="269"/>
-            <ac:spMk id="10" creationId="{4E883BC4-D1F1-CAFC-77EC-0A6E549732B8}"/>
-          </ac:spMkLst>
-        </pc:spChg>
-        <pc:picChg chg="mod">
-          <ac:chgData name="Weifeng Xu" userId="e7aed605-a3dd-4d5a-a692-a87037af107b" providerId="ADAL" clId="{9C06CBEB-0343-4287-8B81-0C702673DE5E}" dt="2025-04-23T00:29:40.306" v="3748" actId="1076"/>
-          <ac:picMkLst>
-            <pc:docMk/>
-            <pc:sldMk cId="3256057421" sldId="269"/>
-            <ac:picMk id="4" creationId="{EE42EC97-9727-D9CA-08B0-47B973CFF596}"/>
-          </ac:picMkLst>
-        </pc:picChg>
-        <pc:cxnChg chg="add mod">
-          <ac:chgData name="Weifeng Xu" userId="e7aed605-a3dd-4d5a-a692-a87037af107b" providerId="ADAL" clId="{9C06CBEB-0343-4287-8B81-0C702673DE5E}" dt="2025-04-23T00:33:24.217" v="3945" actId="693"/>
-          <ac:cxnSpMkLst>
-            <pc:docMk/>
-            <pc:sldMk cId="3256057421" sldId="269"/>
-            <ac:cxnSpMk id="7" creationId="{210C8D86-5924-E883-1E58-DDFB7FF5F834}"/>
-          </ac:cxnSpMkLst>
-        </pc:cxnChg>
-        <pc:cxnChg chg="add mod">
-          <ac:chgData name="Weifeng Xu" userId="e7aed605-a3dd-4d5a-a692-a87037af107b" providerId="ADAL" clId="{9C06CBEB-0343-4287-8B81-0C702673DE5E}" dt="2025-04-23T00:33:31.814" v="3946" actId="693"/>
-          <ac:cxnSpMkLst>
-            <pc:docMk/>
-            <pc:sldMk cId="3256057421" sldId="269"/>
-            <ac:cxnSpMk id="9" creationId="{698C3E50-E184-6B48-2A95-88B8129D1A18}"/>
-          </ac:cxnSpMkLst>
-        </pc:cxnChg>
       </pc:sldChg>
       <pc:sldChg chg="addSp modSp add mod">
         <pc:chgData name="Weifeng Xu" userId="e7aed605-a3dd-4d5a-a692-a87037af107b" providerId="ADAL" clId="{9C06CBEB-0343-4287-8B81-0C702673DE5E}" dt="2025-04-23T01:19:18.460" v="4376" actId="207"/>
@@ -1778,22 +562,6 @@
           <pc:docMk/>
           <pc:sldMk cId="146876777" sldId="270"/>
         </pc:sldMkLst>
-        <pc:spChg chg="add mod">
-          <ac:chgData name="Weifeng Xu" userId="e7aed605-a3dd-4d5a-a692-a87037af107b" providerId="ADAL" clId="{9C06CBEB-0343-4287-8B81-0C702673DE5E}" dt="2025-04-23T01:19:18.460" v="4376" actId="207"/>
-          <ac:spMkLst>
-            <pc:docMk/>
-            <pc:sldMk cId="146876777" sldId="270"/>
-            <ac:spMk id="14" creationId="{433AA691-65BE-C3F3-4F24-97856A561864}"/>
-          </ac:spMkLst>
-        </pc:spChg>
-        <pc:cxnChg chg="add mod">
-          <ac:chgData name="Weifeng Xu" userId="e7aed605-a3dd-4d5a-a692-a87037af107b" providerId="ADAL" clId="{9C06CBEB-0343-4287-8B81-0C702673DE5E}" dt="2025-04-23T00:45:46.070" v="4101" actId="693"/>
-          <ac:cxnSpMkLst>
-            <pc:docMk/>
-            <pc:sldMk cId="146876777" sldId="270"/>
-            <ac:cxnSpMk id="6" creationId="{70363C0D-22A6-A16F-A603-2611B2976A82}"/>
-          </ac:cxnSpMkLst>
-        </pc:cxnChg>
       </pc:sldChg>
       <pc:sldChg chg="addSp delSp modSp add mod modClrScheme chgLayout">
         <pc:chgData name="Weifeng Xu" userId="e7aed605-a3dd-4d5a-a692-a87037af107b" providerId="ADAL" clId="{9C06CBEB-0343-4287-8B81-0C702673DE5E}" dt="2025-04-23T01:26:00.614" v="4493" actId="1076"/>
@@ -1801,78 +569,6 @@
           <pc:docMk/>
           <pc:sldMk cId="1939243851" sldId="271"/>
         </pc:sldMkLst>
-        <pc:spChg chg="add mod">
-          <ac:chgData name="Weifeng Xu" userId="e7aed605-a3dd-4d5a-a692-a87037af107b" providerId="ADAL" clId="{9C06CBEB-0343-4287-8B81-0C702673DE5E}" dt="2025-04-23T01:25:49.399" v="4492" actId="14100"/>
-          <ac:spMkLst>
-            <pc:docMk/>
-            <pc:sldMk cId="1939243851" sldId="271"/>
-            <ac:spMk id="2" creationId="{7355800E-D53C-340C-F8DF-2B31299E7DA6}"/>
-          </ac:spMkLst>
-        </pc:spChg>
-        <pc:spChg chg="mod">
-          <ac:chgData name="Weifeng Xu" userId="e7aed605-a3dd-4d5a-a692-a87037af107b" providerId="ADAL" clId="{9C06CBEB-0343-4287-8B81-0C702673DE5E}" dt="2025-04-23T01:25:49.399" v="4492" actId="14100"/>
-          <ac:spMkLst>
-            <pc:docMk/>
-            <pc:sldMk cId="1939243851" sldId="271"/>
-            <ac:spMk id="3" creationId="{6A4DE5D6-CE3F-F676-578B-323F059C8C7D}"/>
-          </ac:spMkLst>
-        </pc:spChg>
-        <pc:spChg chg="add mod">
-          <ac:chgData name="Weifeng Xu" userId="e7aed605-a3dd-4d5a-a692-a87037af107b" providerId="ADAL" clId="{9C06CBEB-0343-4287-8B81-0C702673DE5E}" dt="2025-04-23T01:25:49.399" v="4492" actId="14100"/>
-          <ac:spMkLst>
-            <pc:docMk/>
-            <pc:sldMk cId="1939243851" sldId="271"/>
-            <ac:spMk id="12" creationId="{7B59A4D3-61F2-E1FD-80BC-8F2604B2B296}"/>
-          </ac:spMkLst>
-        </pc:spChg>
-        <pc:spChg chg="add mod ord">
-          <ac:chgData name="Weifeng Xu" userId="e7aed605-a3dd-4d5a-a692-a87037af107b" providerId="ADAL" clId="{9C06CBEB-0343-4287-8B81-0C702673DE5E}" dt="2025-04-23T01:21:26.405" v="4408" actId="20577"/>
-          <ac:spMkLst>
-            <pc:docMk/>
-            <pc:sldMk cId="1939243851" sldId="271"/>
-            <ac:spMk id="13" creationId="{20CAA71F-095F-8220-F59D-DB67E87FCC64}"/>
-          </ac:spMkLst>
-        </pc:spChg>
-        <pc:spChg chg="mod">
-          <ac:chgData name="Weifeng Xu" userId="e7aed605-a3dd-4d5a-a692-a87037af107b" providerId="ADAL" clId="{9C06CBEB-0343-4287-8B81-0C702673DE5E}" dt="2025-04-23T01:25:49.399" v="4492" actId="14100"/>
-          <ac:spMkLst>
-            <pc:docMk/>
-            <pc:sldMk cId="1939243851" sldId="271"/>
-            <ac:spMk id="14" creationId="{8A435D14-F4C3-043B-C9A7-09EFCA6E4D00}"/>
-          </ac:spMkLst>
-        </pc:spChg>
-        <pc:spChg chg="add mod">
-          <ac:chgData name="Weifeng Xu" userId="e7aed605-a3dd-4d5a-a692-a87037af107b" providerId="ADAL" clId="{9C06CBEB-0343-4287-8B81-0C702673DE5E}" dt="2025-04-23T01:26:00.614" v="4493" actId="1076"/>
-          <ac:spMkLst>
-            <pc:docMk/>
-            <pc:sldMk cId="1939243851" sldId="271"/>
-            <ac:spMk id="15" creationId="{63BA93C5-BD74-51AB-4C0C-380175EE230B}"/>
-          </ac:spMkLst>
-        </pc:spChg>
-        <pc:picChg chg="mod">
-          <ac:chgData name="Weifeng Xu" userId="e7aed605-a3dd-4d5a-a692-a87037af107b" providerId="ADAL" clId="{9C06CBEB-0343-4287-8B81-0C702673DE5E}" dt="2025-04-23T01:25:49.399" v="4492" actId="14100"/>
-          <ac:picMkLst>
-            <pc:docMk/>
-            <pc:sldMk cId="1939243851" sldId="271"/>
-            <ac:picMk id="4" creationId="{C2EBAFD1-1546-C163-374D-F88E85AA3401}"/>
-          </ac:picMkLst>
-        </pc:picChg>
-        <pc:cxnChg chg="mod">
-          <ac:chgData name="Weifeng Xu" userId="e7aed605-a3dd-4d5a-a692-a87037af107b" providerId="ADAL" clId="{9C06CBEB-0343-4287-8B81-0C702673DE5E}" dt="2025-04-23T01:25:49.399" v="4492" actId="14100"/>
-          <ac:cxnSpMkLst>
-            <pc:docMk/>
-            <pc:sldMk cId="1939243851" sldId="271"/>
-            <ac:cxnSpMk id="6" creationId="{AD04717E-3921-B89A-BCDB-74A6AAF2D396}"/>
-          </ac:cxnSpMkLst>
-        </pc:cxnChg>
-        <pc:cxnChg chg="add mod">
-          <ac:chgData name="Weifeng Xu" userId="e7aed605-a3dd-4d5a-a692-a87037af107b" providerId="ADAL" clId="{9C06CBEB-0343-4287-8B81-0C702673DE5E}" dt="2025-04-23T01:25:49.399" v="4492" actId="14100"/>
-          <ac:cxnSpMkLst>
-            <pc:docMk/>
-            <pc:sldMk cId="1939243851" sldId="271"/>
-            <ac:cxnSpMk id="8" creationId="{3C49ABDB-769E-E966-8886-E9E2A35C3D9D}"/>
-          </ac:cxnSpMkLst>
-        </pc:cxnChg>
       </pc:sldChg>
       <pc:sldChg chg="addSp modSp new mod">
         <pc:chgData name="Weifeng Xu" userId="e7aed605-a3dd-4d5a-a692-a87037af107b" providerId="ADAL" clId="{9C06CBEB-0343-4287-8B81-0C702673DE5E}" dt="2025-04-23T23:34:27.047" v="4553" actId="1076"/>
@@ -1880,14 +576,6 @@
           <pc:docMk/>
           <pc:sldMk cId="2238745649" sldId="272"/>
         </pc:sldMkLst>
-        <pc:spChg chg="mod">
-          <ac:chgData name="Weifeng Xu" userId="e7aed605-a3dd-4d5a-a692-a87037af107b" providerId="ADAL" clId="{9C06CBEB-0343-4287-8B81-0C702673DE5E}" dt="2025-04-23T23:34:21.393" v="4551"/>
-          <ac:spMkLst>
-            <pc:docMk/>
-            <pc:sldMk cId="2238745649" sldId="272"/>
-            <ac:spMk id="2" creationId="{15AA6F8F-8D5D-9042-7702-E51D6BEBF1DD}"/>
-          </ac:spMkLst>
-        </pc:spChg>
       </pc:sldChg>
     </pc:docChg>
   </pc:docChgLst>
@@ -1918,15 +606,6 @@
             <pc:sldMasterMk cId="813574162" sldId="2147483648"/>
             <pc:sldLayoutMk cId="821171414" sldId="2147483649"/>
           </pc:sldLayoutMkLst>
-          <pc:spChg chg="add del mod">
-            <ac:chgData name="Weifeng Xu" userId="e7aed605-a3dd-4d5a-a692-a87037af107b" providerId="ADAL" clId="{E34D94EB-D766-41A9-93D0-B8D12317CF67}" dt="2025-04-19T02:11:54.327" v="3" actId="1076"/>
-            <ac:spMkLst>
-              <pc:docMk/>
-              <pc:sldMasterMk cId="813574162" sldId="2147483648"/>
-              <pc:sldLayoutMk cId="821171414" sldId="2147483649"/>
-              <ac:spMk id="4" creationId="{00000000-0000-0000-0000-000000000000}"/>
-            </ac:spMkLst>
-          </pc:spChg>
         </pc:sldLayoutChg>
         <pc:sldLayoutChg chg="setBg">
           <pc:chgData name="Weifeng Xu" userId="e7aed605-a3dd-4d5a-a692-a87037af107b" providerId="ADAL" clId="{E34D94EB-D766-41A9-93D0-B8D12317CF67}" dt="2025-04-19T02:39:28.427" v="133"/>
@@ -2611,7 +1290,7 @@
           <a:p>
             <a:fld id="{2A59A54D-A59E-4D85-AEC9-D5AFF867AB55}" type="datetimeFigureOut">
               <a:rPr lang="en-US" smtClean="0"/>
-              <a:t>5/19/2025</a:t>
+              <a:t>9/14/2025</a:t>
             </a:fld>
             <a:endParaRPr lang="en-US"/>
           </a:p>
@@ -3094,7 +1773,7 @@
           <a:p>
             <a:fld id="{4263717A-E3C1-4BED-ABE0-B7069385E023}" type="datetimeFigureOut">
               <a:rPr lang="en-US" smtClean="0"/>
-              <a:t>5/19/2025</a:t>
+              <a:t>9/14/2025</a:t>
             </a:fld>
             <a:endParaRPr lang="en-US"/>
           </a:p>
@@ -3267,7 +1946,7 @@
           <a:p>
             <a:fld id="{4263717A-E3C1-4BED-ABE0-B7069385E023}" type="datetimeFigureOut">
               <a:rPr lang="en-US" smtClean="0"/>
-              <a:t>5/19/2025</a:t>
+              <a:t>9/14/2025</a:t>
             </a:fld>
             <a:endParaRPr lang="en-US"/>
           </a:p>
@@ -3445,7 +2124,7 @@
           <a:p>
             <a:fld id="{4263717A-E3C1-4BED-ABE0-B7069385E023}" type="datetimeFigureOut">
               <a:rPr lang="en-US" smtClean="0"/>
-              <a:t>5/19/2025</a:t>
+              <a:t>9/14/2025</a:t>
             </a:fld>
             <a:endParaRPr lang="en-US"/>
           </a:p>
@@ -3613,7 +2292,7 @@
           <a:p>
             <a:fld id="{4263717A-E3C1-4BED-ABE0-B7069385E023}" type="datetimeFigureOut">
               <a:rPr lang="en-US" smtClean="0"/>
-              <a:t>5/19/2025</a:t>
+              <a:t>9/14/2025</a:t>
             </a:fld>
             <a:endParaRPr lang="en-US"/>
           </a:p>
@@ -3858,7 +2537,7 @@
           <a:p>
             <a:fld id="{4263717A-E3C1-4BED-ABE0-B7069385E023}" type="datetimeFigureOut">
               <a:rPr lang="en-US" smtClean="0"/>
-              <a:t>5/19/2025</a:t>
+              <a:t>9/14/2025</a:t>
             </a:fld>
             <a:endParaRPr lang="en-US"/>
           </a:p>
@@ -4087,7 +2766,7 @@
           <a:p>
             <a:fld id="{4263717A-E3C1-4BED-ABE0-B7069385E023}" type="datetimeFigureOut">
               <a:rPr lang="en-US" smtClean="0"/>
-              <a:t>5/19/2025</a:t>
+              <a:t>9/14/2025</a:t>
             </a:fld>
             <a:endParaRPr lang="en-US"/>
           </a:p>
@@ -4451,7 +3130,7 @@
           <a:p>
             <a:fld id="{4263717A-E3C1-4BED-ABE0-B7069385E023}" type="datetimeFigureOut">
               <a:rPr lang="en-US" smtClean="0"/>
-              <a:t>5/19/2025</a:t>
+              <a:t>9/14/2025</a:t>
             </a:fld>
             <a:endParaRPr lang="en-US"/>
           </a:p>
@@ -4568,7 +3247,7 @@
           <a:p>
             <a:fld id="{4263717A-E3C1-4BED-ABE0-B7069385E023}" type="datetimeFigureOut">
               <a:rPr lang="en-US" smtClean="0"/>
-              <a:t>5/19/2025</a:t>
+              <a:t>9/14/2025</a:t>
             </a:fld>
             <a:endParaRPr lang="en-US"/>
           </a:p>
@@ -4663,7 +3342,7 @@
           <a:p>
             <a:fld id="{4263717A-E3C1-4BED-ABE0-B7069385E023}" type="datetimeFigureOut">
               <a:rPr lang="en-US" smtClean="0"/>
-              <a:t>5/19/2025</a:t>
+              <a:t>9/14/2025</a:t>
             </a:fld>
             <a:endParaRPr lang="en-US"/>
           </a:p>
@@ -4938,7 +3617,7 @@
           <a:p>
             <a:fld id="{4263717A-E3C1-4BED-ABE0-B7069385E023}" type="datetimeFigureOut">
               <a:rPr lang="en-US" smtClean="0"/>
-              <a:t>5/19/2025</a:t>
+              <a:t>9/14/2025</a:t>
             </a:fld>
             <a:endParaRPr lang="en-US"/>
           </a:p>
@@ -5190,7 +3869,7 @@
           <a:p>
             <a:fld id="{4263717A-E3C1-4BED-ABE0-B7069385E023}" type="datetimeFigureOut">
               <a:rPr lang="en-US" smtClean="0"/>
-              <a:t>5/19/2025</a:t>
+              <a:t>9/14/2025</a:t>
             </a:fld>
             <a:endParaRPr lang="en-US"/>
           </a:p>
@@ -5409,7 +4088,7 @@
           <a:p>
             <a:fld id="{4263717A-E3C1-4BED-ABE0-B7069385E023}" type="datetimeFigureOut">
               <a:rPr lang="en-US" smtClean="0"/>
-              <a:t>5/19/2025</a:t>
+              <a:t>9/14/2025</a:t>
             </a:fld>
             <a:endParaRPr lang="en-US"/>
           </a:p>
@@ -5896,6 +4575,53 @@
           </a:p>
         </p:txBody>
       </p:sp>
+      <p:pic>
+        <p:nvPicPr>
+          <p:cNvPr id="1026" name="Picture 2">
+            <a:extLst>
+              <a:ext uri="{FF2B5EF4-FFF2-40B4-BE49-F238E27FC236}">
+                <a16:creationId xmlns:a16="http://schemas.microsoft.com/office/drawing/2014/main" id="{3B803535-6E6E-0EA5-BEAE-D57063A3F573}"/>
+              </a:ext>
+            </a:extLst>
+          </p:cNvPr>
+          <p:cNvPicPr>
+            <a:picLocks noChangeAspect="1" noChangeArrowheads="1"/>
+          </p:cNvPicPr>
+          <p:nvPr/>
+        </p:nvPicPr>
+        <p:blipFill>
+          <a:blip r:embed="rId2">
+            <a:extLst>
+              <a:ext uri="{28A0092B-C50C-407E-A947-70E740481C1C}">
+                <a14:useLocalDpi xmlns:a14="http://schemas.microsoft.com/office/drawing/2010/main" val="0"/>
+              </a:ext>
+            </a:extLst>
+          </a:blip>
+          <a:srcRect/>
+          <a:stretch>
+            <a:fillRect/>
+          </a:stretch>
+        </p:blipFill>
+        <p:spPr bwMode="auto">
+          <a:xfrm>
+            <a:off x="7135950" y="1"/>
+            <a:ext cx="4963788" cy="2688955"/>
+          </a:xfrm>
+          <a:prstGeom prst="rect">
+            <a:avLst/>
+          </a:prstGeom>
+          <a:noFill/>
+          <a:extLst>
+            <a:ext uri="{909E8E84-426E-40DD-AFC4-6F175D3DCCD1}">
+              <a14:hiddenFill xmlns:a14="http://schemas.microsoft.com/office/drawing/2010/main">
+                <a:solidFill>
+                  <a:srgbClr val="FFFFFF"/>
+                </a:solidFill>
+              </a14:hiddenFill>
+            </a:ext>
+          </a:extLst>
+        </p:spPr>
+      </p:pic>
     </p:spTree>
     <p:extLst>
       <p:ext uri="{BB962C8B-B14F-4D97-AF65-F5344CB8AC3E}">
